--- a/img/Evidenzbegriffe_Vorlage.pptx
+++ b/img/Evidenzbegriffe_Vorlage.pptx
@@ -8,7 +8,8 @@
     <p:sldId id="256" r:id="rId2"/>
     <p:sldId id="257" r:id="rId3"/>
     <p:sldId id="259" r:id="rId4"/>
-    <p:sldId id="258" r:id="rId5"/>
+    <p:sldId id="260" r:id="rId5"/>
+    <p:sldId id="258" r:id="rId6"/>
   </p:sldIdLst>
   <p:sldSz cx="12192000" cy="6858000"/>
   <p:notesSz cx="6858000" cy="9144000"/>
@@ -7570,6 +7571,3292 @@
 <file path=ppt/slides/slide4.xml><?xml version="1.0" encoding="utf-8"?>
 <p:sld xmlns:a="http://schemas.openxmlformats.org/drawingml/2006/main" xmlns:r="http://schemas.openxmlformats.org/officeDocument/2006/relationships" xmlns:p="http://schemas.openxmlformats.org/presentationml/2006/main">
   <p:cSld>
+    <p:bg>
+      <p:bgPr>
+        <a:solidFill>
+          <a:schemeClr val="bg2">
+            <a:lumMod val="10000"/>
+          </a:schemeClr>
+        </a:solidFill>
+        <a:effectLst/>
+      </p:bgPr>
+    </p:bg>
+    <p:spTree>
+      <p:nvGrpSpPr>
+        <p:cNvPr id="1" name=""/>
+        <p:cNvGrpSpPr/>
+        <p:nvPr/>
+      </p:nvGrpSpPr>
+      <p:grpSpPr>
+        <a:xfrm>
+          <a:off x="0" y="0"/>
+          <a:ext cx="0" cy="0"/>
+          <a:chOff x="0" y="0"/>
+          <a:chExt cx="0" cy="0"/>
+        </a:xfrm>
+      </p:grpSpPr>
+      <p:sp>
+        <p:nvSpPr>
+          <p:cNvPr id="20" name="Rectangle 5">
+            <a:extLst>
+              <a:ext uri="{FF2B5EF4-FFF2-40B4-BE49-F238E27FC236}">
+                <a16:creationId xmlns:a16="http://schemas.microsoft.com/office/drawing/2014/main" id="{3A50C0F6-0F36-E74B-9B67-31D2969C2118}"/>
+              </a:ext>
+            </a:extLst>
+          </p:cNvPr>
+          <p:cNvSpPr txBox="1">
+            <a:spLocks noChangeArrowheads="1"/>
+          </p:cNvSpPr>
+          <p:nvPr/>
+        </p:nvSpPr>
+        <p:spPr>
+          <a:xfrm>
+            <a:off x="719138" y="1288018"/>
+            <a:ext cx="7700962" cy="369332"/>
+          </a:xfrm>
+          <a:prstGeom prst="rect">
+            <a:avLst/>
+          </a:prstGeom>
+        </p:spPr>
+        <p:txBody>
+          <a:bodyPr vert="horz" lIns="91440" tIns="45720" rIns="91440" bIns="45720" rtlCol="0" anchor="b">
+            <a:normAutofit/>
+          </a:bodyPr>
+          <a:lstStyle>
+            <a:lvl1pPr algn="ctr" defTabSz="914400" rtl="0" eaLnBrk="1" latinLnBrk="0" hangingPunct="1">
+              <a:lnSpc>
+                <a:spcPct val="90000"/>
+              </a:lnSpc>
+              <a:spcBef>
+                <a:spcPct val="0"/>
+              </a:spcBef>
+              <a:buNone/>
+              <a:defRPr sz="6000" kern="1200">
+                <a:solidFill>
+                  <a:schemeClr val="tx1"/>
+                </a:solidFill>
+                <a:latin typeface="+mj-lt"/>
+                <a:ea typeface="+mj-ea"/>
+                <a:cs typeface="+mj-cs"/>
+              </a:defRPr>
+            </a:lvl1pPr>
+          </a:lstStyle>
+          <a:p>
+            <a:r>
+              <a:rPr lang="de-DE" sz="2000" b="1">
+                <a:solidFill>
+                  <a:schemeClr val="bg1"/>
+                </a:solidFill>
+                <a:latin typeface="Open Sans" panose="020B0606030504020204" pitchFamily="34" charset="0"/>
+                <a:ea typeface="Open Sans" panose="020B0606030504020204" pitchFamily="34" charset="0"/>
+                <a:cs typeface="Open Sans" panose="020B0606030504020204" pitchFamily="34" charset="0"/>
+              </a:rPr>
+              <a:t>Visualisierung: Professionalität als Meta-Reflexivität</a:t>
+            </a:r>
+            <a:endParaRPr lang="de-DE" sz="2000" b="1" dirty="0">
+              <a:solidFill>
+                <a:schemeClr val="bg1"/>
+              </a:solidFill>
+              <a:latin typeface="Open Sans" panose="020B0606030504020204" pitchFamily="34" charset="0"/>
+              <a:ea typeface="Open Sans" panose="020B0606030504020204" pitchFamily="34" charset="0"/>
+              <a:cs typeface="Open Sans" panose="020B0606030504020204" pitchFamily="34" charset="0"/>
+            </a:endParaRPr>
+          </a:p>
+        </p:txBody>
+      </p:sp>
+      <p:sp>
+        <p:nvSpPr>
+          <p:cNvPr id="21" name="Rectangle 18">
+            <a:extLst>
+              <a:ext uri="{FF2B5EF4-FFF2-40B4-BE49-F238E27FC236}">
+                <a16:creationId xmlns:a16="http://schemas.microsoft.com/office/drawing/2014/main" id="{0BEC8D3A-9D2D-314A-B8A2-E6F6A0B2AE78}"/>
+              </a:ext>
+            </a:extLst>
+          </p:cNvPr>
+          <p:cNvSpPr txBox="1">
+            <a:spLocks noChangeArrowheads="1"/>
+          </p:cNvSpPr>
+          <p:nvPr/>
+        </p:nvSpPr>
+        <p:spPr bwMode="auto">
+          <a:xfrm>
+            <a:off x="719138" y="6519863"/>
+            <a:ext cx="7705725" cy="138499"/>
+          </a:xfrm>
+          <a:prstGeom prst="rect">
+            <a:avLst/>
+          </a:prstGeom>
+          <a:noFill/>
+          <a:ln w="9525">
+            <a:noFill/>
+            <a:miter lim="800000"/>
+            <a:headEnd/>
+            <a:tailEnd/>
+          </a:ln>
+          <a:effectLst/>
+        </p:spPr>
+        <p:txBody>
+          <a:bodyPr vert="horz" wrap="square" lIns="0" tIns="0" rIns="0" bIns="0" numCol="1" anchor="t" anchorCtr="0" compatLnSpc="1">
+            <a:prstTxWarp prst="textNoShape">
+              <a:avLst/>
+            </a:prstTxWarp>
+            <a:spAutoFit/>
+          </a:bodyPr>
+          <a:lstStyle>
+            <a:defPPr>
+              <a:defRPr lang="de-DE"/>
+            </a:defPPr>
+            <a:lvl1pPr marL="0" algn="l" defTabSz="914400" rtl="0" eaLnBrk="1" latinLnBrk="0" hangingPunct="1">
+              <a:tabLst>
+                <a:tab pos="7702550" algn="r"/>
+              </a:tabLst>
+              <a:defRPr sz="1000" kern="1200">
+                <a:solidFill>
+                  <a:schemeClr val="tx1"/>
+                </a:solidFill>
+                <a:latin typeface="Arial" pitchFamily="-112" charset="0"/>
+                <a:ea typeface="+mn-ea"/>
+                <a:cs typeface="+mn-cs"/>
+              </a:defRPr>
+            </a:lvl1pPr>
+            <a:lvl2pPr marL="457200" algn="l" defTabSz="914400" rtl="0" eaLnBrk="1" latinLnBrk="0" hangingPunct="1">
+              <a:defRPr sz="1800" kern="1200">
+                <a:solidFill>
+                  <a:schemeClr val="tx1"/>
+                </a:solidFill>
+                <a:latin typeface="+mn-lt"/>
+                <a:ea typeface="+mn-ea"/>
+                <a:cs typeface="+mn-cs"/>
+              </a:defRPr>
+            </a:lvl2pPr>
+            <a:lvl3pPr marL="914400" algn="l" defTabSz="914400" rtl="0" eaLnBrk="1" latinLnBrk="0" hangingPunct="1">
+              <a:defRPr sz="1800" kern="1200">
+                <a:solidFill>
+                  <a:schemeClr val="tx1"/>
+                </a:solidFill>
+                <a:latin typeface="+mn-lt"/>
+                <a:ea typeface="+mn-ea"/>
+                <a:cs typeface="+mn-cs"/>
+              </a:defRPr>
+            </a:lvl3pPr>
+            <a:lvl4pPr marL="1371600" algn="l" defTabSz="914400" rtl="0" eaLnBrk="1" latinLnBrk="0" hangingPunct="1">
+              <a:defRPr sz="1800" kern="1200">
+                <a:solidFill>
+                  <a:schemeClr val="tx1"/>
+                </a:solidFill>
+                <a:latin typeface="+mn-lt"/>
+                <a:ea typeface="+mn-ea"/>
+                <a:cs typeface="+mn-cs"/>
+              </a:defRPr>
+            </a:lvl4pPr>
+            <a:lvl5pPr marL="1828800" algn="l" defTabSz="914400" rtl="0" eaLnBrk="1" latinLnBrk="0" hangingPunct="1">
+              <a:defRPr sz="1800" kern="1200">
+                <a:solidFill>
+                  <a:schemeClr val="tx1"/>
+                </a:solidFill>
+                <a:latin typeface="+mn-lt"/>
+                <a:ea typeface="+mn-ea"/>
+                <a:cs typeface="+mn-cs"/>
+              </a:defRPr>
+            </a:lvl5pPr>
+            <a:lvl6pPr marL="2286000" algn="l" defTabSz="914400" rtl="0" eaLnBrk="1" latinLnBrk="0" hangingPunct="1">
+              <a:defRPr sz="1800" kern="1200">
+                <a:solidFill>
+                  <a:schemeClr val="tx1"/>
+                </a:solidFill>
+                <a:latin typeface="+mn-lt"/>
+                <a:ea typeface="+mn-ea"/>
+                <a:cs typeface="+mn-cs"/>
+              </a:defRPr>
+            </a:lvl6pPr>
+            <a:lvl7pPr marL="2743200" algn="l" defTabSz="914400" rtl="0" eaLnBrk="1" latinLnBrk="0" hangingPunct="1">
+              <a:defRPr sz="1800" kern="1200">
+                <a:solidFill>
+                  <a:schemeClr val="tx1"/>
+                </a:solidFill>
+                <a:latin typeface="+mn-lt"/>
+                <a:ea typeface="+mn-ea"/>
+                <a:cs typeface="+mn-cs"/>
+              </a:defRPr>
+            </a:lvl7pPr>
+            <a:lvl8pPr marL="3200400" algn="l" defTabSz="914400" rtl="0" eaLnBrk="1" latinLnBrk="0" hangingPunct="1">
+              <a:defRPr sz="1800" kern="1200">
+                <a:solidFill>
+                  <a:schemeClr val="tx1"/>
+                </a:solidFill>
+                <a:latin typeface="+mn-lt"/>
+                <a:ea typeface="+mn-ea"/>
+                <a:cs typeface="+mn-cs"/>
+              </a:defRPr>
+            </a:lvl8pPr>
+            <a:lvl9pPr marL="3657600" algn="l" defTabSz="914400" rtl="0" eaLnBrk="1" latinLnBrk="0" hangingPunct="1">
+              <a:defRPr sz="1800" kern="1200">
+                <a:solidFill>
+                  <a:schemeClr val="tx1"/>
+                </a:solidFill>
+                <a:latin typeface="+mn-lt"/>
+                <a:ea typeface="+mn-ea"/>
+                <a:cs typeface="+mn-cs"/>
+              </a:defRPr>
+            </a:lvl9pPr>
+          </a:lstStyle>
+          <a:p>
+            <a:pPr>
+              <a:defRPr/>
+            </a:pPr>
+            <a:r>
+              <a:rPr lang="de-DE" sz="900" b="1" dirty="0">
+                <a:solidFill>
+                  <a:schemeClr val="bg1"/>
+                </a:solidFill>
+                <a:latin typeface="Open Sans" panose="020B0606030504020204" pitchFamily="34" charset="0"/>
+                <a:ea typeface="Open Sans" panose="020B0606030504020204" pitchFamily="34" charset="0"/>
+                <a:cs typeface="Open Sans" panose="020B0606030504020204" pitchFamily="34" charset="0"/>
+              </a:rPr>
+              <a:t>Colin Cramer	Folie  </a:t>
+            </a:r>
+            <a:fld id="{0B0B40C7-154D-3B42-8812-67333F560868}" type="slidenum">
+              <a:rPr lang="de-DE" sz="900" b="1" smtClean="0">
+                <a:solidFill>
+                  <a:schemeClr val="bg1"/>
+                </a:solidFill>
+                <a:latin typeface="Open Sans" panose="020B0606030504020204" pitchFamily="34" charset="0"/>
+                <a:ea typeface="Open Sans" panose="020B0606030504020204" pitchFamily="34" charset="0"/>
+                <a:cs typeface="Open Sans" panose="020B0606030504020204" pitchFamily="34" charset="0"/>
+              </a:rPr>
+              <a:pPr>
+                <a:defRPr/>
+              </a:pPr>
+              <a:t>4</a:t>
+            </a:fld>
+            <a:endParaRPr lang="de-DE" sz="900" b="1" dirty="0">
+              <a:solidFill>
+                <a:schemeClr val="bg1"/>
+              </a:solidFill>
+              <a:latin typeface="Open Sans" panose="020B0606030504020204" pitchFamily="34" charset="0"/>
+              <a:ea typeface="Open Sans" panose="020B0606030504020204" pitchFamily="34" charset="0"/>
+              <a:cs typeface="Open Sans" panose="020B0606030504020204" pitchFamily="34" charset="0"/>
+            </a:endParaRPr>
+          </a:p>
+        </p:txBody>
+      </p:sp>
+      <p:sp>
+        <p:nvSpPr>
+          <p:cNvPr id="22" name="Rechteck 21">
+            <a:extLst>
+              <a:ext uri="{FF2B5EF4-FFF2-40B4-BE49-F238E27FC236}">
+                <a16:creationId xmlns:a16="http://schemas.microsoft.com/office/drawing/2014/main" id="{2E6F6E5B-8813-4843-8FFE-A65F379FC565}"/>
+              </a:ext>
+            </a:extLst>
+          </p:cNvPr>
+          <p:cNvSpPr/>
+          <p:nvPr/>
+        </p:nvSpPr>
+        <p:spPr>
+          <a:xfrm>
+            <a:off x="719138" y="2327723"/>
+            <a:ext cx="1188736" cy="3043250"/>
+          </a:xfrm>
+          <a:prstGeom prst="rect">
+            <a:avLst/>
+          </a:prstGeom>
+          <a:solidFill>
+            <a:srgbClr val="8CD000"/>
+          </a:solidFill>
+          <a:ln>
+            <a:noFill/>
+          </a:ln>
+          <a:effectLst/>
+        </p:spPr>
+        <p:style>
+          <a:lnRef idx="1">
+            <a:schemeClr val="accent1"/>
+          </a:lnRef>
+          <a:fillRef idx="3">
+            <a:schemeClr val="accent1"/>
+          </a:fillRef>
+          <a:effectRef idx="2">
+            <a:schemeClr val="accent1"/>
+          </a:effectRef>
+          <a:fontRef idx="minor">
+            <a:schemeClr val="lt1"/>
+          </a:fontRef>
+        </p:style>
+        <p:txBody>
+          <a:bodyPr lIns="36000" tIns="72000" rIns="36000" bIns="0" rtlCol="0" anchor="t" anchorCtr="0"/>
+          <a:lstStyle/>
+          <a:p>
+            <a:pPr algn="ctr"/>
+            <a:r>
+              <a:rPr lang="de-DE" sz="1600" b="1" dirty="0">
+                <a:solidFill>
+                  <a:schemeClr val="bg1"/>
+                </a:solidFill>
+                <a:latin typeface="Open Sans" panose="020B0606030504020204" pitchFamily="34" charset="0"/>
+                <a:ea typeface="Open Sans" panose="020B0606030504020204" pitchFamily="34" charset="0"/>
+                <a:cs typeface="Open Sans" panose="020B0606030504020204" pitchFamily="34" charset="0"/>
+              </a:rPr>
+              <a:t>Kenntnis</a:t>
+            </a:r>
+          </a:p>
+          <a:p>
+            <a:pPr algn="ctr"/>
+            <a:endParaRPr lang="de-DE" sz="1200" b="1" dirty="0">
+              <a:solidFill>
+                <a:schemeClr val="bg1"/>
+              </a:solidFill>
+              <a:latin typeface="Open Sans" panose="020B0606030504020204" pitchFamily="34" charset="0"/>
+              <a:ea typeface="Open Sans" panose="020B0606030504020204" pitchFamily="34" charset="0"/>
+              <a:cs typeface="Open Sans" panose="020B0606030504020204" pitchFamily="34" charset="0"/>
+            </a:endParaRPr>
+          </a:p>
+          <a:p>
+            <a:pPr algn="ctr"/>
+            <a:r>
+              <a:rPr lang="de-DE" sz="1200" b="1" dirty="0">
+                <a:solidFill>
+                  <a:schemeClr val="bg1"/>
+                </a:solidFill>
+                <a:latin typeface="Open Sans" panose="020B0606030504020204" pitchFamily="34" charset="0"/>
+                <a:ea typeface="Open Sans" panose="020B0606030504020204" pitchFamily="34" charset="0"/>
+                <a:cs typeface="Open Sans" panose="020B0606030504020204" pitchFamily="34" charset="0"/>
+              </a:rPr>
+              <a:t>von</a:t>
+            </a:r>
+          </a:p>
+          <a:p>
+            <a:pPr algn="ctr"/>
+            <a:endParaRPr lang="de-DE" sz="1200" b="1" dirty="0">
+              <a:solidFill>
+                <a:schemeClr val="bg1"/>
+              </a:solidFill>
+              <a:latin typeface="Open Sans" panose="020B0606030504020204" pitchFamily="34" charset="0"/>
+              <a:ea typeface="Open Sans" panose="020B0606030504020204" pitchFamily="34" charset="0"/>
+              <a:cs typeface="Open Sans" panose="020B0606030504020204" pitchFamily="34" charset="0"/>
+            </a:endParaRPr>
+          </a:p>
+          <a:p>
+            <a:pPr algn="ctr"/>
+            <a:r>
+              <a:rPr lang="de-DE" sz="1200" b="1" dirty="0">
+                <a:solidFill>
+                  <a:schemeClr val="bg1"/>
+                </a:solidFill>
+                <a:latin typeface="Open Sans" panose="020B0606030504020204" pitchFamily="34" charset="0"/>
+                <a:ea typeface="Open Sans" panose="020B0606030504020204" pitchFamily="34" charset="0"/>
+                <a:cs typeface="Open Sans" panose="020B0606030504020204" pitchFamily="34" charset="0"/>
+              </a:rPr>
+              <a:t>theoretischen</a:t>
+            </a:r>
+          </a:p>
+          <a:p>
+            <a:pPr algn="ctr"/>
+            <a:r>
+              <a:rPr lang="de-DE" sz="1200" b="1" dirty="0">
+                <a:solidFill>
+                  <a:schemeClr val="bg1"/>
+                </a:solidFill>
+                <a:latin typeface="Open Sans" panose="020B0606030504020204" pitchFamily="34" charset="0"/>
+                <a:ea typeface="Open Sans" panose="020B0606030504020204" pitchFamily="34" charset="0"/>
+                <a:cs typeface="Open Sans" panose="020B0606030504020204" pitchFamily="34" charset="0"/>
+              </a:rPr>
+              <a:t>Zugängen</a:t>
+            </a:r>
+          </a:p>
+          <a:p>
+            <a:pPr algn="ctr"/>
+            <a:endParaRPr lang="de-DE" sz="1200" b="1" dirty="0">
+              <a:solidFill>
+                <a:schemeClr val="bg1"/>
+              </a:solidFill>
+              <a:latin typeface="Open Sans" panose="020B0606030504020204" pitchFamily="34" charset="0"/>
+              <a:ea typeface="Open Sans" panose="020B0606030504020204" pitchFamily="34" charset="0"/>
+              <a:cs typeface="Open Sans" panose="020B0606030504020204" pitchFamily="34" charset="0"/>
+            </a:endParaRPr>
+          </a:p>
+          <a:p>
+            <a:pPr algn="ctr"/>
+            <a:r>
+              <a:rPr lang="de-DE" sz="1200" b="1" dirty="0">
+                <a:solidFill>
+                  <a:schemeClr val="bg1"/>
+                </a:solidFill>
+                <a:latin typeface="Open Sans" panose="020B0606030504020204" pitchFamily="34" charset="0"/>
+                <a:ea typeface="Open Sans" panose="020B0606030504020204" pitchFamily="34" charset="0"/>
+                <a:cs typeface="Open Sans" panose="020B0606030504020204" pitchFamily="34" charset="0"/>
+              </a:rPr>
+              <a:t>und</a:t>
+            </a:r>
+          </a:p>
+          <a:p>
+            <a:pPr algn="ctr"/>
+            <a:endParaRPr lang="de-DE" sz="1200" b="1" dirty="0">
+              <a:solidFill>
+                <a:schemeClr val="bg1"/>
+              </a:solidFill>
+              <a:latin typeface="Open Sans" panose="020B0606030504020204" pitchFamily="34" charset="0"/>
+              <a:ea typeface="Open Sans" panose="020B0606030504020204" pitchFamily="34" charset="0"/>
+              <a:cs typeface="Open Sans" panose="020B0606030504020204" pitchFamily="34" charset="0"/>
+            </a:endParaRPr>
+          </a:p>
+          <a:p>
+            <a:pPr algn="ctr"/>
+            <a:r>
+              <a:rPr lang="de-DE" sz="1200" b="1" dirty="0">
+                <a:solidFill>
+                  <a:schemeClr val="bg1"/>
+                </a:solidFill>
+                <a:latin typeface="Open Sans" panose="020B0606030504020204" pitchFamily="34" charset="0"/>
+                <a:ea typeface="Open Sans" panose="020B0606030504020204" pitchFamily="34" charset="0"/>
+                <a:cs typeface="Open Sans" panose="020B0606030504020204" pitchFamily="34" charset="0"/>
+              </a:rPr>
+              <a:t>empirischen</a:t>
+            </a:r>
+          </a:p>
+          <a:p>
+            <a:pPr algn="ctr"/>
+            <a:r>
+              <a:rPr lang="de-DE" sz="1200" b="1" dirty="0">
+                <a:solidFill>
+                  <a:schemeClr val="bg1"/>
+                </a:solidFill>
+                <a:latin typeface="Open Sans" panose="020B0606030504020204" pitchFamily="34" charset="0"/>
+                <a:ea typeface="Open Sans" panose="020B0606030504020204" pitchFamily="34" charset="0"/>
+                <a:cs typeface="Open Sans" panose="020B0606030504020204" pitchFamily="34" charset="0"/>
+              </a:rPr>
+              <a:t>Befunden</a:t>
+            </a:r>
+          </a:p>
+        </p:txBody>
+      </p:sp>
+      <p:sp>
+        <p:nvSpPr>
+          <p:cNvPr id="23" name="Rechteck 22">
+            <a:extLst>
+              <a:ext uri="{FF2B5EF4-FFF2-40B4-BE49-F238E27FC236}">
+                <a16:creationId xmlns:a16="http://schemas.microsoft.com/office/drawing/2014/main" id="{44269363-56D0-FB49-BA1C-5BFF207FC8BF}"/>
+              </a:ext>
+            </a:extLst>
+          </p:cNvPr>
+          <p:cNvSpPr/>
+          <p:nvPr/>
+        </p:nvSpPr>
+        <p:spPr>
+          <a:xfrm>
+            <a:off x="2015666" y="2327916"/>
+            <a:ext cx="1188736" cy="3043250"/>
+          </a:xfrm>
+          <a:prstGeom prst="rect">
+            <a:avLst/>
+          </a:prstGeom>
+          <a:solidFill>
+            <a:srgbClr val="8CD000"/>
+          </a:solidFill>
+          <a:ln>
+            <a:noFill/>
+          </a:ln>
+          <a:effectLst/>
+        </p:spPr>
+        <p:style>
+          <a:lnRef idx="1">
+            <a:schemeClr val="accent1"/>
+          </a:lnRef>
+          <a:fillRef idx="3">
+            <a:schemeClr val="accent1"/>
+          </a:fillRef>
+          <a:effectRef idx="2">
+            <a:schemeClr val="accent1"/>
+          </a:effectRef>
+          <a:fontRef idx="minor">
+            <a:schemeClr val="lt1"/>
+          </a:fontRef>
+        </p:style>
+        <p:txBody>
+          <a:bodyPr lIns="18000" tIns="72000" rIns="36000" bIns="0" rtlCol="0" anchor="t" anchorCtr="0"/>
+          <a:lstStyle/>
+          <a:p>
+            <a:pPr algn="ctr"/>
+            <a:r>
+              <a:rPr lang="de-DE" sz="1500" b="1" dirty="0">
+                <a:solidFill>
+                  <a:schemeClr val="bg1"/>
+                </a:solidFill>
+                <a:latin typeface="Open Sans" panose="020B0606030504020204" pitchFamily="34" charset="0"/>
+                <a:ea typeface="Open Sans" panose="020B0606030504020204" pitchFamily="34" charset="0"/>
+                <a:cs typeface="Open Sans" panose="020B0606030504020204" pitchFamily="34" charset="0"/>
+              </a:rPr>
+              <a:t>Verortung,</a:t>
+            </a:r>
+          </a:p>
+          <a:p>
+            <a:pPr algn="ctr"/>
+            <a:r>
+              <a:rPr lang="de-DE" sz="1500" b="1" dirty="0">
+                <a:solidFill>
+                  <a:schemeClr val="bg1"/>
+                </a:solidFill>
+                <a:latin typeface="Open Sans" panose="020B0606030504020204" pitchFamily="34" charset="0"/>
+                <a:ea typeface="Open Sans" panose="020B0606030504020204" pitchFamily="34" charset="0"/>
+                <a:cs typeface="Open Sans" panose="020B0606030504020204" pitchFamily="34" charset="0"/>
+              </a:rPr>
+              <a:t>Verhältnis-</a:t>
+            </a:r>
+            <a:r>
+              <a:rPr lang="de-DE" sz="1500" b="1" dirty="0" err="1">
+                <a:solidFill>
+                  <a:schemeClr val="bg1"/>
+                </a:solidFill>
+                <a:latin typeface="Open Sans" panose="020B0606030504020204" pitchFamily="34" charset="0"/>
+                <a:ea typeface="Open Sans" panose="020B0606030504020204" pitchFamily="34" charset="0"/>
+                <a:cs typeface="Open Sans" panose="020B0606030504020204" pitchFamily="34" charset="0"/>
+              </a:rPr>
+              <a:t>bestim</a:t>
+            </a:r>
+            <a:r>
+              <a:rPr lang="de-DE" sz="1500" b="1" dirty="0">
+                <a:solidFill>
+                  <a:schemeClr val="bg1"/>
+                </a:solidFill>
+                <a:latin typeface="Open Sans" panose="020B0606030504020204" pitchFamily="34" charset="0"/>
+                <a:ea typeface="Open Sans" panose="020B0606030504020204" pitchFamily="34" charset="0"/>
+                <a:cs typeface="Open Sans" panose="020B0606030504020204" pitchFamily="34" charset="0"/>
+              </a:rPr>
+              <a:t>-</a:t>
+            </a:r>
+            <a:r>
+              <a:rPr lang="de-DE" sz="1500" b="1" dirty="0" err="1">
+                <a:solidFill>
+                  <a:schemeClr val="bg1"/>
+                </a:solidFill>
+                <a:latin typeface="Open Sans" panose="020B0606030504020204" pitchFamily="34" charset="0"/>
+                <a:ea typeface="Open Sans" panose="020B0606030504020204" pitchFamily="34" charset="0"/>
+                <a:cs typeface="Open Sans" panose="020B0606030504020204" pitchFamily="34" charset="0"/>
+              </a:rPr>
+              <a:t>mung</a:t>
+            </a:r>
+            <a:r>
+              <a:rPr lang="de-DE" sz="1500" b="1" dirty="0">
+                <a:solidFill>
+                  <a:schemeClr val="bg1"/>
+                </a:solidFill>
+                <a:latin typeface="Open Sans" panose="020B0606030504020204" pitchFamily="34" charset="0"/>
+                <a:ea typeface="Open Sans" panose="020B0606030504020204" pitchFamily="34" charset="0"/>
+                <a:cs typeface="Open Sans" panose="020B0606030504020204" pitchFamily="34" charset="0"/>
+              </a:rPr>
+              <a:t>, kritische </a:t>
+            </a:r>
+            <a:r>
+              <a:rPr lang="de-DE" sz="1500" b="1" dirty="0" err="1">
+                <a:solidFill>
+                  <a:schemeClr val="bg1"/>
+                </a:solidFill>
+                <a:latin typeface="Open Sans" panose="020B0606030504020204" pitchFamily="34" charset="0"/>
+                <a:ea typeface="Open Sans" panose="020B0606030504020204" pitchFamily="34" charset="0"/>
+                <a:cs typeface="Open Sans" panose="020B0606030504020204" pitchFamily="34" charset="0"/>
+              </a:rPr>
+              <a:t>Auseinan-dersetzung</a:t>
+            </a:r>
+            <a:endParaRPr lang="de-DE" sz="1500" b="1" dirty="0">
+              <a:solidFill>
+                <a:schemeClr val="bg1"/>
+              </a:solidFill>
+              <a:latin typeface="Open Sans" panose="020B0606030504020204" pitchFamily="34" charset="0"/>
+              <a:ea typeface="Open Sans" panose="020B0606030504020204" pitchFamily="34" charset="0"/>
+              <a:cs typeface="Open Sans" panose="020B0606030504020204" pitchFamily="34" charset="0"/>
+            </a:endParaRPr>
+          </a:p>
+          <a:p>
+            <a:pPr algn="ctr"/>
+            <a:endParaRPr lang="de-DE" sz="1200" b="1" dirty="0">
+              <a:solidFill>
+                <a:schemeClr val="bg1"/>
+              </a:solidFill>
+              <a:latin typeface="Open Sans" panose="020B0606030504020204" pitchFamily="34" charset="0"/>
+              <a:ea typeface="Open Sans" panose="020B0606030504020204" pitchFamily="34" charset="0"/>
+              <a:cs typeface="Open Sans" panose="020B0606030504020204" pitchFamily="34" charset="0"/>
+            </a:endParaRPr>
+          </a:p>
+          <a:p>
+            <a:pPr algn="ctr">
+              <a:spcAft>
+                <a:spcPts val="600"/>
+              </a:spcAft>
+            </a:pPr>
+            <a:r>
+              <a:rPr lang="de-DE" sz="1200" b="1" dirty="0">
+                <a:solidFill>
+                  <a:schemeClr val="bg1"/>
+                </a:solidFill>
+                <a:latin typeface="Open Sans" panose="020B0606030504020204" pitchFamily="34" charset="0"/>
+                <a:ea typeface="Open Sans" panose="020B0606030504020204" pitchFamily="34" charset="0"/>
+                <a:cs typeface="Open Sans" panose="020B0606030504020204" pitchFamily="34" charset="0"/>
+              </a:rPr>
+              <a:t>von/mit Theorien und empirischen Befunden</a:t>
+            </a:r>
+          </a:p>
+        </p:txBody>
+      </p:sp>
+      <p:sp>
+        <p:nvSpPr>
+          <p:cNvPr id="24" name="Rechteck 23">
+            <a:extLst>
+              <a:ext uri="{FF2B5EF4-FFF2-40B4-BE49-F238E27FC236}">
+                <a16:creationId xmlns:a16="http://schemas.microsoft.com/office/drawing/2014/main" id="{F2CC4014-C88B-B242-B4CE-67754FAF0E22}"/>
+              </a:ext>
+            </a:extLst>
+          </p:cNvPr>
+          <p:cNvSpPr/>
+          <p:nvPr/>
+        </p:nvSpPr>
+        <p:spPr>
+          <a:xfrm>
+            <a:off x="3310709" y="2326980"/>
+            <a:ext cx="1188736" cy="3043250"/>
+          </a:xfrm>
+          <a:prstGeom prst="rect">
+            <a:avLst/>
+          </a:prstGeom>
+          <a:solidFill>
+            <a:srgbClr val="8CD000"/>
+          </a:solidFill>
+          <a:ln>
+            <a:noFill/>
+          </a:ln>
+          <a:effectLst/>
+        </p:spPr>
+        <p:style>
+          <a:lnRef idx="1">
+            <a:schemeClr val="accent1"/>
+          </a:lnRef>
+          <a:fillRef idx="3">
+            <a:schemeClr val="accent1"/>
+          </a:fillRef>
+          <a:effectRef idx="2">
+            <a:schemeClr val="accent1"/>
+          </a:effectRef>
+          <a:fontRef idx="minor">
+            <a:schemeClr val="lt1"/>
+          </a:fontRef>
+        </p:style>
+        <p:txBody>
+          <a:bodyPr lIns="0" tIns="72000" rIns="0" bIns="0" rtlCol="0" anchor="t" anchorCtr="0"/>
+          <a:lstStyle/>
+          <a:p>
+            <a:pPr algn="ctr"/>
+            <a:r>
+              <a:rPr lang="de-DE" sz="1500" b="1" dirty="0">
+                <a:solidFill>
+                  <a:schemeClr val="bg1"/>
+                </a:solidFill>
+                <a:latin typeface="Open Sans" panose="020B0606030504020204" pitchFamily="34" charset="0"/>
+                <a:ea typeface="Open Sans" panose="020B0606030504020204" pitchFamily="34" charset="0"/>
+                <a:cs typeface="Open Sans" panose="020B0606030504020204" pitchFamily="34" charset="0"/>
+              </a:rPr>
+              <a:t>Konsistente</a:t>
+            </a:r>
+          </a:p>
+          <a:p>
+            <a:pPr algn="ctr"/>
+            <a:r>
+              <a:rPr lang="de-DE" sz="1500" b="1" dirty="0" err="1">
+                <a:solidFill>
+                  <a:schemeClr val="bg1"/>
+                </a:solidFill>
+                <a:latin typeface="Open Sans" panose="020B0606030504020204" pitchFamily="34" charset="0"/>
+                <a:ea typeface="Open Sans" panose="020B0606030504020204" pitchFamily="34" charset="0"/>
+                <a:cs typeface="Open Sans" panose="020B0606030504020204" pitchFamily="34" charset="0"/>
+              </a:rPr>
+              <a:t>exempla-risch-typi-sierende</a:t>
+            </a:r>
+            <a:r>
+              <a:rPr lang="de-DE" sz="1500" b="1" dirty="0">
+                <a:solidFill>
+                  <a:schemeClr val="bg1"/>
+                </a:solidFill>
+                <a:latin typeface="Open Sans" panose="020B0606030504020204" pitchFamily="34" charset="0"/>
+                <a:ea typeface="Open Sans" panose="020B0606030504020204" pitchFamily="34" charset="0"/>
+                <a:cs typeface="Open Sans" panose="020B0606030504020204" pitchFamily="34" charset="0"/>
+              </a:rPr>
+              <a:t> Deutungen</a:t>
+            </a:r>
+          </a:p>
+          <a:p>
+            <a:pPr algn="ctr">
+              <a:spcBef>
+                <a:spcPts val="600"/>
+              </a:spcBef>
+              <a:spcAft>
+                <a:spcPts val="600"/>
+              </a:spcAft>
+            </a:pPr>
+            <a:endParaRPr lang="de-DE" sz="500" b="1" dirty="0">
+              <a:solidFill>
+                <a:schemeClr val="bg1"/>
+              </a:solidFill>
+              <a:latin typeface="Open Sans" panose="020B0606030504020204" pitchFamily="34" charset="0"/>
+              <a:ea typeface="Open Sans" panose="020B0606030504020204" pitchFamily="34" charset="0"/>
+              <a:cs typeface="Open Sans" panose="020B0606030504020204" pitchFamily="34" charset="0"/>
+            </a:endParaRPr>
+          </a:p>
+          <a:p>
+            <a:pPr algn="ctr">
+              <a:spcBef>
+                <a:spcPts val="600"/>
+              </a:spcBef>
+              <a:spcAft>
+                <a:spcPts val="600"/>
+              </a:spcAft>
+            </a:pPr>
+            <a:r>
+              <a:rPr lang="de-DE" sz="1200" b="1" dirty="0">
+                <a:solidFill>
+                  <a:schemeClr val="bg1"/>
+                </a:solidFill>
+                <a:latin typeface="Open Sans" panose="020B0606030504020204" pitchFamily="34" charset="0"/>
+                <a:ea typeface="Open Sans" panose="020B0606030504020204" pitchFamily="34" charset="0"/>
+                <a:cs typeface="Open Sans" panose="020B0606030504020204" pitchFamily="34" charset="0"/>
+              </a:rPr>
+              <a:t>des antizipierten komplexen Handlungs-feldes Schule und Unterricht</a:t>
+            </a:r>
+          </a:p>
+        </p:txBody>
+      </p:sp>
+      <p:sp>
+        <p:nvSpPr>
+          <p:cNvPr id="25" name="Rechteck 24">
+            <a:extLst>
+              <a:ext uri="{FF2B5EF4-FFF2-40B4-BE49-F238E27FC236}">
+                <a16:creationId xmlns:a16="http://schemas.microsoft.com/office/drawing/2014/main" id="{9463989C-FF10-4A4C-AE50-123C8E69A936}"/>
+              </a:ext>
+            </a:extLst>
+          </p:cNvPr>
+          <p:cNvSpPr/>
+          <p:nvPr/>
+        </p:nvSpPr>
+        <p:spPr>
+          <a:xfrm>
+            <a:off x="4599729" y="2326980"/>
+            <a:ext cx="1188736" cy="3043250"/>
+          </a:xfrm>
+          <a:prstGeom prst="rect">
+            <a:avLst/>
+          </a:prstGeom>
+          <a:solidFill>
+            <a:srgbClr val="9BE601"/>
+          </a:solidFill>
+          <a:ln>
+            <a:noFill/>
+          </a:ln>
+          <a:effectLst/>
+        </p:spPr>
+        <p:style>
+          <a:lnRef idx="1">
+            <a:schemeClr val="accent1"/>
+          </a:lnRef>
+          <a:fillRef idx="3">
+            <a:schemeClr val="accent1"/>
+          </a:fillRef>
+          <a:effectRef idx="2">
+            <a:schemeClr val="accent1"/>
+          </a:effectRef>
+          <a:fontRef idx="minor">
+            <a:schemeClr val="lt1"/>
+          </a:fontRef>
+        </p:style>
+        <p:txBody>
+          <a:bodyPr lIns="36000" tIns="72000" rIns="36000" bIns="0" rtlCol="0" anchor="t" anchorCtr="0"/>
+          <a:lstStyle/>
+          <a:p>
+            <a:pPr algn="ctr"/>
+            <a:r>
+              <a:rPr lang="de-DE" sz="1500" b="1" dirty="0" err="1">
+                <a:solidFill>
+                  <a:schemeClr val="bg1"/>
+                </a:solidFill>
+                <a:latin typeface="Open Sans" panose="020B0606030504020204" pitchFamily="34" charset="0"/>
+                <a:ea typeface="Open Sans" panose="020B0606030504020204" pitchFamily="34" charset="0"/>
+                <a:cs typeface="Open Sans" panose="020B0606030504020204" pitchFamily="34" charset="0"/>
+              </a:rPr>
+              <a:t>Angemes-sene</a:t>
+            </a:r>
+            <a:br>
+              <a:rPr lang="de-DE" sz="1500" b="1" dirty="0">
+                <a:solidFill>
+                  <a:schemeClr val="bg1"/>
+                </a:solidFill>
+                <a:latin typeface="Open Sans" panose="020B0606030504020204" pitchFamily="34" charset="0"/>
+                <a:ea typeface="Open Sans" panose="020B0606030504020204" pitchFamily="34" charset="0"/>
+                <a:cs typeface="Open Sans" panose="020B0606030504020204" pitchFamily="34" charset="0"/>
+              </a:rPr>
+            </a:br>
+            <a:r>
+              <a:rPr lang="de-DE" sz="1500" b="1" dirty="0">
+                <a:solidFill>
+                  <a:schemeClr val="bg1"/>
+                </a:solidFill>
+                <a:latin typeface="Open Sans" panose="020B0606030504020204" pitchFamily="34" charset="0"/>
+                <a:ea typeface="Open Sans" panose="020B0606030504020204" pitchFamily="34" charset="0"/>
+                <a:cs typeface="Open Sans" panose="020B0606030504020204" pitchFamily="34" charset="0"/>
+              </a:rPr>
+              <a:t>situative</a:t>
+            </a:r>
+            <a:br>
+              <a:rPr lang="de-DE" sz="1500" b="1" dirty="0">
+                <a:solidFill>
+                  <a:schemeClr val="bg1"/>
+                </a:solidFill>
+                <a:latin typeface="Open Sans" panose="020B0606030504020204" pitchFamily="34" charset="0"/>
+                <a:ea typeface="Open Sans" panose="020B0606030504020204" pitchFamily="34" charset="0"/>
+                <a:cs typeface="Open Sans" panose="020B0606030504020204" pitchFamily="34" charset="0"/>
+              </a:rPr>
+            </a:br>
+            <a:r>
+              <a:rPr lang="de-DE" sz="1500" b="1" dirty="0">
+                <a:solidFill>
+                  <a:schemeClr val="bg1"/>
+                </a:solidFill>
+                <a:latin typeface="Open Sans" panose="020B0606030504020204" pitchFamily="34" charset="0"/>
+                <a:ea typeface="Open Sans" panose="020B0606030504020204" pitchFamily="34" charset="0"/>
+                <a:cs typeface="Open Sans" panose="020B0606030504020204" pitchFamily="34" charset="0"/>
+              </a:rPr>
+              <a:t>Deutungen</a:t>
+            </a:r>
+          </a:p>
+          <a:p>
+            <a:pPr algn="ctr">
+              <a:spcAft>
+                <a:spcPts val="0"/>
+              </a:spcAft>
+            </a:pPr>
+            <a:endParaRPr lang="de-DE" sz="1200" b="1" dirty="0">
+              <a:solidFill>
+                <a:schemeClr val="bg1"/>
+              </a:solidFill>
+              <a:latin typeface="Open Sans" panose="020B0606030504020204" pitchFamily="34" charset="0"/>
+              <a:ea typeface="Open Sans" panose="020B0606030504020204" pitchFamily="34" charset="0"/>
+              <a:cs typeface="Open Sans" panose="020B0606030504020204" pitchFamily="34" charset="0"/>
+            </a:endParaRPr>
+          </a:p>
+          <a:p>
+            <a:pPr algn="ctr">
+              <a:spcAft>
+                <a:spcPts val="600"/>
+              </a:spcAft>
+            </a:pPr>
+            <a:r>
+              <a:rPr lang="de-DE" sz="1200" b="1" dirty="0">
+                <a:solidFill>
+                  <a:schemeClr val="bg1"/>
+                </a:solidFill>
+                <a:latin typeface="Open Sans" panose="020B0606030504020204" pitchFamily="34" charset="0"/>
+                <a:ea typeface="Open Sans" panose="020B0606030504020204" pitchFamily="34" charset="0"/>
+                <a:cs typeface="Open Sans" panose="020B0606030504020204" pitchFamily="34" charset="0"/>
+              </a:rPr>
+              <a:t>im realen Handlungs-feld Schule und Unterricht</a:t>
+            </a:r>
+          </a:p>
+        </p:txBody>
+      </p:sp>
+      <p:sp>
+        <p:nvSpPr>
+          <p:cNvPr id="26" name="Rechteck 25">
+            <a:extLst>
+              <a:ext uri="{FF2B5EF4-FFF2-40B4-BE49-F238E27FC236}">
+                <a16:creationId xmlns:a16="http://schemas.microsoft.com/office/drawing/2014/main" id="{15E488B7-074D-1D4D-BDF4-05343A50D6B7}"/>
+              </a:ext>
+            </a:extLst>
+          </p:cNvPr>
+          <p:cNvSpPr/>
+          <p:nvPr/>
+        </p:nvSpPr>
+        <p:spPr>
+          <a:xfrm>
+            <a:off x="5902310" y="2328006"/>
+            <a:ext cx="1188736" cy="3043250"/>
+          </a:xfrm>
+          <a:prstGeom prst="rect">
+            <a:avLst/>
+          </a:prstGeom>
+          <a:solidFill>
+            <a:srgbClr val="9BE601"/>
+          </a:solidFill>
+          <a:ln>
+            <a:noFill/>
+          </a:ln>
+          <a:effectLst/>
+        </p:spPr>
+        <p:style>
+          <a:lnRef idx="1">
+            <a:schemeClr val="accent1"/>
+          </a:lnRef>
+          <a:fillRef idx="3">
+            <a:schemeClr val="accent1"/>
+          </a:fillRef>
+          <a:effectRef idx="2">
+            <a:schemeClr val="accent1"/>
+          </a:effectRef>
+          <a:fontRef idx="minor">
+            <a:schemeClr val="lt1"/>
+          </a:fontRef>
+        </p:style>
+        <p:txBody>
+          <a:bodyPr lIns="36000" tIns="72000" rIns="36000" bIns="0" rtlCol="0" anchor="t" anchorCtr="0"/>
+          <a:lstStyle/>
+          <a:p>
+            <a:pPr algn="ctr"/>
+            <a:r>
+              <a:rPr lang="de-DE" sz="1500" b="1" dirty="0">
+                <a:solidFill>
+                  <a:schemeClr val="bg1"/>
+                </a:solidFill>
+                <a:latin typeface="Open Sans" panose="020B0606030504020204" pitchFamily="34" charset="0"/>
+                <a:ea typeface="Open Sans" panose="020B0606030504020204" pitchFamily="34" charset="0"/>
+                <a:cs typeface="Open Sans" panose="020B0606030504020204" pitchFamily="34" charset="0"/>
+              </a:rPr>
+              <a:t>Entwickeln individuell</a:t>
+            </a:r>
+          </a:p>
+          <a:p>
+            <a:pPr algn="ctr"/>
+            <a:r>
+              <a:rPr lang="de-DE" sz="1500" b="1" dirty="0">
+                <a:solidFill>
+                  <a:schemeClr val="bg1"/>
+                </a:solidFill>
+                <a:latin typeface="Open Sans" panose="020B0606030504020204" pitchFamily="34" charset="0"/>
+                <a:ea typeface="Open Sans" panose="020B0606030504020204" pitchFamily="34" charset="0"/>
+                <a:cs typeface="Open Sans" panose="020B0606030504020204" pitchFamily="34" charset="0"/>
+              </a:rPr>
+              <a:t>situations-adäquater Handlungs-optionen</a:t>
+            </a:r>
+          </a:p>
+          <a:p>
+            <a:pPr algn="ctr"/>
+            <a:endParaRPr lang="de-DE" sz="1200" b="1" dirty="0">
+              <a:solidFill>
+                <a:schemeClr val="bg1"/>
+              </a:solidFill>
+              <a:latin typeface="Open Sans" panose="020B0606030504020204" pitchFamily="34" charset="0"/>
+              <a:ea typeface="Open Sans" panose="020B0606030504020204" pitchFamily="34" charset="0"/>
+              <a:cs typeface="Open Sans" panose="020B0606030504020204" pitchFamily="34" charset="0"/>
+            </a:endParaRPr>
+          </a:p>
+          <a:p>
+            <a:pPr algn="ctr">
+              <a:spcAft>
+                <a:spcPts val="600"/>
+              </a:spcAft>
+            </a:pPr>
+            <a:r>
+              <a:rPr lang="de-DE" sz="1200" b="1" dirty="0">
+                <a:solidFill>
+                  <a:schemeClr val="bg1"/>
+                </a:solidFill>
+                <a:latin typeface="Open Sans" panose="020B0606030504020204" pitchFamily="34" charset="0"/>
+                <a:ea typeface="Open Sans" panose="020B0606030504020204" pitchFamily="34" charset="0"/>
+                <a:cs typeface="Open Sans" panose="020B0606030504020204" pitchFamily="34" charset="0"/>
+              </a:rPr>
+              <a:t>in der Schulpraxis</a:t>
+            </a:r>
+          </a:p>
+        </p:txBody>
+      </p:sp>
+      <p:sp>
+        <p:nvSpPr>
+          <p:cNvPr id="27" name="Rechteck 26">
+            <a:extLst>
+              <a:ext uri="{FF2B5EF4-FFF2-40B4-BE49-F238E27FC236}">
+                <a16:creationId xmlns:a16="http://schemas.microsoft.com/office/drawing/2014/main" id="{7F3985EE-7E2A-D147-873D-62BA80C2C0B1}"/>
+              </a:ext>
+            </a:extLst>
+          </p:cNvPr>
+          <p:cNvSpPr/>
+          <p:nvPr/>
+        </p:nvSpPr>
+        <p:spPr>
+          <a:xfrm>
+            <a:off x="719138" y="1817805"/>
+            <a:ext cx="3780307" cy="363692"/>
+          </a:xfrm>
+          <a:prstGeom prst="rect">
+            <a:avLst/>
+          </a:prstGeom>
+          <a:solidFill>
+            <a:srgbClr val="8CD000"/>
+          </a:solidFill>
+          <a:ln>
+            <a:noFill/>
+          </a:ln>
+          <a:effectLst/>
+        </p:spPr>
+        <p:style>
+          <a:lnRef idx="1">
+            <a:schemeClr val="accent1"/>
+          </a:lnRef>
+          <a:fillRef idx="3">
+            <a:schemeClr val="accent1"/>
+          </a:fillRef>
+          <a:effectRef idx="2">
+            <a:schemeClr val="accent1"/>
+          </a:effectRef>
+          <a:fontRef idx="minor">
+            <a:schemeClr val="lt1"/>
+          </a:fontRef>
+        </p:style>
+        <p:txBody>
+          <a:bodyPr tIns="72000" bIns="0" rtlCol="0" anchor="t" anchorCtr="0"/>
+          <a:lstStyle/>
+          <a:p>
+            <a:pPr algn="ctr"/>
+            <a:r>
+              <a:rPr lang="de-DE" sz="1400" b="1" dirty="0">
+                <a:solidFill>
+                  <a:schemeClr val="bg1"/>
+                </a:solidFill>
+                <a:latin typeface="Open Sans" panose="020B0606030504020204" pitchFamily="34" charset="0"/>
+                <a:ea typeface="Open Sans" panose="020B0606030504020204" pitchFamily="34" charset="0"/>
+                <a:cs typeface="Open Sans" panose="020B0606030504020204" pitchFamily="34" charset="0"/>
+              </a:rPr>
+              <a:t>Ort: (universitäre) Lehrer*</a:t>
+            </a:r>
+            <a:r>
+              <a:rPr lang="de-DE" sz="1400" b="1" dirty="0" err="1">
+                <a:solidFill>
+                  <a:schemeClr val="bg1"/>
+                </a:solidFill>
+                <a:latin typeface="Open Sans" panose="020B0606030504020204" pitchFamily="34" charset="0"/>
+                <a:ea typeface="Open Sans" panose="020B0606030504020204" pitchFamily="34" charset="0"/>
+                <a:cs typeface="Open Sans" panose="020B0606030504020204" pitchFamily="34" charset="0"/>
+              </a:rPr>
+              <a:t>innenbildung</a:t>
+            </a:r>
+            <a:endParaRPr lang="de-DE" sz="1400" b="1" dirty="0">
+              <a:solidFill>
+                <a:schemeClr val="bg1"/>
+              </a:solidFill>
+              <a:latin typeface="Open Sans" panose="020B0606030504020204" pitchFamily="34" charset="0"/>
+              <a:ea typeface="Open Sans" panose="020B0606030504020204" pitchFamily="34" charset="0"/>
+              <a:cs typeface="Open Sans" panose="020B0606030504020204" pitchFamily="34" charset="0"/>
+            </a:endParaRPr>
+          </a:p>
+        </p:txBody>
+      </p:sp>
+      <p:sp>
+        <p:nvSpPr>
+          <p:cNvPr id="28" name="Rechteck 27">
+            <a:extLst>
+              <a:ext uri="{FF2B5EF4-FFF2-40B4-BE49-F238E27FC236}">
+                <a16:creationId xmlns:a16="http://schemas.microsoft.com/office/drawing/2014/main" id="{785B2A53-9493-FF4E-8534-3BCB85D55946}"/>
+              </a:ext>
+            </a:extLst>
+          </p:cNvPr>
+          <p:cNvSpPr/>
+          <p:nvPr/>
+        </p:nvSpPr>
+        <p:spPr>
+          <a:xfrm>
+            <a:off x="4599729" y="1815863"/>
+            <a:ext cx="3778763" cy="365634"/>
+          </a:xfrm>
+          <a:prstGeom prst="rect">
+            <a:avLst/>
+          </a:prstGeom>
+          <a:solidFill>
+            <a:srgbClr val="9BE601"/>
+          </a:solidFill>
+          <a:ln>
+            <a:noFill/>
+          </a:ln>
+          <a:effectLst/>
+        </p:spPr>
+        <p:style>
+          <a:lnRef idx="1">
+            <a:schemeClr val="accent1"/>
+          </a:lnRef>
+          <a:fillRef idx="3">
+            <a:schemeClr val="accent1"/>
+          </a:fillRef>
+          <a:effectRef idx="2">
+            <a:schemeClr val="accent1"/>
+          </a:effectRef>
+          <a:fontRef idx="minor">
+            <a:schemeClr val="lt1"/>
+          </a:fontRef>
+        </p:style>
+        <p:txBody>
+          <a:bodyPr tIns="72000" bIns="0" rtlCol="0" anchor="t" anchorCtr="0"/>
+          <a:lstStyle/>
+          <a:p>
+            <a:pPr algn="ctr"/>
+            <a:r>
+              <a:rPr lang="de-DE" sz="1400" b="1" dirty="0">
+                <a:solidFill>
+                  <a:schemeClr val="bg1"/>
+                </a:solidFill>
+                <a:latin typeface="Open Sans" panose="020B0606030504020204" pitchFamily="34" charset="0"/>
+                <a:ea typeface="Open Sans" panose="020B0606030504020204" pitchFamily="34" charset="0"/>
+                <a:cs typeface="Open Sans" panose="020B0606030504020204" pitchFamily="34" charset="0"/>
+              </a:rPr>
+              <a:t>Ort: schulisches Handlungsfeld</a:t>
+            </a:r>
+          </a:p>
+        </p:txBody>
+      </p:sp>
+      <p:sp>
+        <p:nvSpPr>
+          <p:cNvPr id="29" name="Nach oben gebogener Pfeil 28">
+            <a:extLst>
+              <a:ext uri="{FF2B5EF4-FFF2-40B4-BE49-F238E27FC236}">
+                <a16:creationId xmlns:a16="http://schemas.microsoft.com/office/drawing/2014/main" id="{DD55B28D-B05A-7E4A-A3C5-DBCF90EC4CB9}"/>
+              </a:ext>
+            </a:extLst>
+          </p:cNvPr>
+          <p:cNvSpPr/>
+          <p:nvPr/>
+        </p:nvSpPr>
+        <p:spPr>
+          <a:xfrm>
+            <a:off x="2190923" y="5458086"/>
+            <a:ext cx="464668" cy="402741"/>
+          </a:xfrm>
+          <a:prstGeom prst="bentUpArrow">
+            <a:avLst>
+              <a:gd name="adj1" fmla="val 34422"/>
+              <a:gd name="adj2" fmla="val 34422"/>
+              <a:gd name="adj3" fmla="val 39133"/>
+            </a:avLst>
+          </a:prstGeom>
+          <a:solidFill>
+            <a:srgbClr val="8CD000"/>
+          </a:solidFill>
+          <a:ln>
+            <a:noFill/>
+          </a:ln>
+          <a:effectLst/>
+        </p:spPr>
+        <p:style>
+          <a:lnRef idx="1">
+            <a:schemeClr val="accent1"/>
+          </a:lnRef>
+          <a:fillRef idx="3">
+            <a:schemeClr val="accent1"/>
+          </a:fillRef>
+          <a:effectRef idx="2">
+            <a:schemeClr val="accent1"/>
+          </a:effectRef>
+          <a:fontRef idx="minor">
+            <a:schemeClr val="lt1"/>
+          </a:fontRef>
+        </p:style>
+        <p:txBody>
+          <a:bodyPr rtlCol="0" anchor="ctr"/>
+          <a:lstStyle/>
+          <a:p>
+            <a:pPr algn="ctr"/>
+            <a:endParaRPr lang="de-DE" sz="1600" b="1">
+              <a:solidFill>
+                <a:schemeClr val="bg1"/>
+              </a:solidFill>
+              <a:latin typeface="Open Sans" panose="020B0606030504020204" pitchFamily="34" charset="0"/>
+              <a:ea typeface="Open Sans" panose="020B0606030504020204" pitchFamily="34" charset="0"/>
+              <a:cs typeface="Open Sans" panose="020B0606030504020204" pitchFamily="34" charset="0"/>
+            </a:endParaRPr>
+          </a:p>
+        </p:txBody>
+      </p:sp>
+      <p:sp>
+        <p:nvSpPr>
+          <p:cNvPr id="30" name="Nach oben gebogener Pfeil 29">
+            <a:extLst>
+              <a:ext uri="{FF2B5EF4-FFF2-40B4-BE49-F238E27FC236}">
+                <a16:creationId xmlns:a16="http://schemas.microsoft.com/office/drawing/2014/main" id="{9CD0A7DC-D068-E94C-BD82-AED7B1109E6A}"/>
+              </a:ext>
+            </a:extLst>
+          </p:cNvPr>
+          <p:cNvSpPr/>
+          <p:nvPr/>
+        </p:nvSpPr>
+        <p:spPr>
+          <a:xfrm flipH="1">
+            <a:off x="1414668" y="5370973"/>
+            <a:ext cx="466070" cy="487440"/>
+          </a:xfrm>
+          <a:prstGeom prst="bentUpArrow">
+            <a:avLst>
+              <a:gd name="adj1" fmla="val 31193"/>
+              <a:gd name="adj2" fmla="val 0"/>
+              <a:gd name="adj3" fmla="val 0"/>
+            </a:avLst>
+          </a:prstGeom>
+          <a:solidFill>
+            <a:srgbClr val="8CD000"/>
+          </a:solidFill>
+          <a:ln>
+            <a:noFill/>
+          </a:ln>
+          <a:effectLst/>
+        </p:spPr>
+        <p:style>
+          <a:lnRef idx="1">
+            <a:schemeClr val="accent1"/>
+          </a:lnRef>
+          <a:fillRef idx="3">
+            <a:schemeClr val="accent1"/>
+          </a:fillRef>
+          <a:effectRef idx="2">
+            <a:schemeClr val="accent1"/>
+          </a:effectRef>
+          <a:fontRef idx="minor">
+            <a:schemeClr val="lt1"/>
+          </a:fontRef>
+        </p:style>
+        <p:txBody>
+          <a:bodyPr rtlCol="0" anchor="ctr"/>
+          <a:lstStyle/>
+          <a:p>
+            <a:pPr algn="ctr"/>
+            <a:endParaRPr lang="de-DE" sz="1600" b="1">
+              <a:solidFill>
+                <a:schemeClr val="bg1"/>
+              </a:solidFill>
+              <a:latin typeface="Open Sans" panose="020B0606030504020204" pitchFamily="34" charset="0"/>
+              <a:ea typeface="Open Sans" panose="020B0606030504020204" pitchFamily="34" charset="0"/>
+              <a:cs typeface="Open Sans" panose="020B0606030504020204" pitchFamily="34" charset="0"/>
+            </a:endParaRPr>
+          </a:p>
+        </p:txBody>
+      </p:sp>
+      <p:sp>
+        <p:nvSpPr>
+          <p:cNvPr id="33" name="Nach oben gebogener Pfeil 32">
+            <a:extLst>
+              <a:ext uri="{FF2B5EF4-FFF2-40B4-BE49-F238E27FC236}">
+                <a16:creationId xmlns:a16="http://schemas.microsoft.com/office/drawing/2014/main" id="{7AFDACA6-BF16-9D41-A674-78E53F65F016}"/>
+              </a:ext>
+            </a:extLst>
+          </p:cNvPr>
+          <p:cNvSpPr/>
+          <p:nvPr/>
+        </p:nvSpPr>
+        <p:spPr>
+          <a:xfrm>
+            <a:off x="3498482" y="5449885"/>
+            <a:ext cx="464668" cy="402741"/>
+          </a:xfrm>
+          <a:prstGeom prst="bentUpArrow">
+            <a:avLst>
+              <a:gd name="adj1" fmla="val 34422"/>
+              <a:gd name="adj2" fmla="val 34422"/>
+              <a:gd name="adj3" fmla="val 39133"/>
+            </a:avLst>
+          </a:prstGeom>
+          <a:solidFill>
+            <a:srgbClr val="8CD000"/>
+          </a:solidFill>
+          <a:ln>
+            <a:noFill/>
+          </a:ln>
+          <a:effectLst/>
+        </p:spPr>
+        <p:style>
+          <a:lnRef idx="1">
+            <a:schemeClr val="accent1"/>
+          </a:lnRef>
+          <a:fillRef idx="3">
+            <a:schemeClr val="accent1"/>
+          </a:fillRef>
+          <a:effectRef idx="2">
+            <a:schemeClr val="accent1"/>
+          </a:effectRef>
+          <a:fontRef idx="minor">
+            <a:schemeClr val="lt1"/>
+          </a:fontRef>
+        </p:style>
+        <p:txBody>
+          <a:bodyPr rtlCol="0" anchor="ctr"/>
+          <a:lstStyle/>
+          <a:p>
+            <a:pPr algn="ctr"/>
+            <a:endParaRPr lang="de-DE" sz="1600" b="1">
+              <a:solidFill>
+                <a:schemeClr val="bg1"/>
+              </a:solidFill>
+              <a:latin typeface="Open Sans" panose="020B0606030504020204" pitchFamily="34" charset="0"/>
+              <a:ea typeface="Open Sans" panose="020B0606030504020204" pitchFamily="34" charset="0"/>
+              <a:cs typeface="Open Sans" panose="020B0606030504020204" pitchFamily="34" charset="0"/>
+            </a:endParaRPr>
+          </a:p>
+        </p:txBody>
+      </p:sp>
+      <p:sp>
+        <p:nvSpPr>
+          <p:cNvPr id="34" name="Rechteck 33">
+            <a:extLst>
+              <a:ext uri="{FF2B5EF4-FFF2-40B4-BE49-F238E27FC236}">
+                <a16:creationId xmlns:a16="http://schemas.microsoft.com/office/drawing/2014/main" id="{C3B325A4-1F51-A246-A4BB-3A486484F7E6}"/>
+              </a:ext>
+            </a:extLst>
+          </p:cNvPr>
+          <p:cNvSpPr/>
+          <p:nvPr/>
+        </p:nvSpPr>
+        <p:spPr>
+          <a:xfrm>
+            <a:off x="1596545" y="5464229"/>
+            <a:ext cx="720600" cy="761629"/>
+          </a:xfrm>
+          <a:prstGeom prst="rect">
+            <a:avLst/>
+          </a:prstGeom>
+          <a:solidFill>
+            <a:srgbClr val="8CD000"/>
+          </a:solidFill>
+          <a:ln>
+            <a:noFill/>
+          </a:ln>
+          <a:effectLst/>
+        </p:spPr>
+        <p:style>
+          <a:lnRef idx="1">
+            <a:schemeClr val="accent1"/>
+          </a:lnRef>
+          <a:fillRef idx="3">
+            <a:schemeClr val="accent1"/>
+          </a:fillRef>
+          <a:effectRef idx="2">
+            <a:schemeClr val="accent1"/>
+          </a:effectRef>
+          <a:fontRef idx="minor">
+            <a:schemeClr val="lt1"/>
+          </a:fontRef>
+        </p:style>
+        <p:txBody>
+          <a:bodyPr tIns="72000" bIns="0" rtlCol="0" anchor="ctr"/>
+          <a:lstStyle/>
+          <a:p>
+            <a:pPr algn="ctr"/>
+            <a:r>
+              <a:rPr lang="de-DE" sz="1100" b="1" dirty="0">
+                <a:solidFill>
+                  <a:schemeClr val="bg1"/>
+                </a:solidFill>
+                <a:latin typeface="Open Sans" panose="020B0606030504020204" pitchFamily="34" charset="0"/>
+                <a:ea typeface="Open Sans" panose="020B0606030504020204" pitchFamily="34" charset="0"/>
+                <a:cs typeface="Open Sans" panose="020B0606030504020204" pitchFamily="34" charset="0"/>
+              </a:rPr>
+              <a:t>ist Basis der </a:t>
+            </a:r>
+          </a:p>
+        </p:txBody>
+      </p:sp>
+      <p:sp>
+        <p:nvSpPr>
+          <p:cNvPr id="35" name="Nach oben gebogener Pfeil 34">
+            <a:extLst>
+              <a:ext uri="{FF2B5EF4-FFF2-40B4-BE49-F238E27FC236}">
+                <a16:creationId xmlns:a16="http://schemas.microsoft.com/office/drawing/2014/main" id="{99E515BA-39A1-CE4E-86BF-4A709FE8051E}"/>
+              </a:ext>
+            </a:extLst>
+          </p:cNvPr>
+          <p:cNvSpPr/>
+          <p:nvPr/>
+        </p:nvSpPr>
+        <p:spPr>
+          <a:xfrm>
+            <a:off x="4896121" y="5361177"/>
+            <a:ext cx="464668" cy="490597"/>
+          </a:xfrm>
+          <a:prstGeom prst="bentUpArrow">
+            <a:avLst>
+              <a:gd name="adj1" fmla="val 29563"/>
+              <a:gd name="adj2" fmla="val 34422"/>
+              <a:gd name="adj3" fmla="val 0"/>
+            </a:avLst>
+          </a:prstGeom>
+          <a:solidFill>
+            <a:srgbClr val="9BE601"/>
+          </a:solidFill>
+          <a:ln>
+            <a:noFill/>
+          </a:ln>
+          <a:effectLst/>
+        </p:spPr>
+        <p:style>
+          <a:lnRef idx="1">
+            <a:schemeClr val="accent1"/>
+          </a:lnRef>
+          <a:fillRef idx="3">
+            <a:schemeClr val="accent1"/>
+          </a:fillRef>
+          <a:effectRef idx="2">
+            <a:schemeClr val="accent1"/>
+          </a:effectRef>
+          <a:fontRef idx="minor">
+            <a:schemeClr val="lt1"/>
+          </a:fontRef>
+        </p:style>
+        <p:txBody>
+          <a:bodyPr rtlCol="0" anchor="ctr"/>
+          <a:lstStyle/>
+          <a:p>
+            <a:pPr algn="ctr"/>
+            <a:endParaRPr lang="de-DE" sz="1600" b="1">
+              <a:solidFill>
+                <a:schemeClr val="bg1"/>
+              </a:solidFill>
+              <a:latin typeface="Open Sans" panose="020B0606030504020204" pitchFamily="34" charset="0"/>
+              <a:ea typeface="Open Sans" panose="020B0606030504020204" pitchFamily="34" charset="0"/>
+              <a:cs typeface="Open Sans" panose="020B0606030504020204" pitchFamily="34" charset="0"/>
+            </a:endParaRPr>
+          </a:p>
+        </p:txBody>
+      </p:sp>
+      <p:sp>
+        <p:nvSpPr>
+          <p:cNvPr id="36" name="Nach oben gebogener Pfeil 35">
+            <a:extLst>
+              <a:ext uri="{FF2B5EF4-FFF2-40B4-BE49-F238E27FC236}">
+                <a16:creationId xmlns:a16="http://schemas.microsoft.com/office/drawing/2014/main" id="{C1EE8A66-1B11-3F40-8B56-F5D0E3D25375}"/>
+              </a:ext>
+            </a:extLst>
+          </p:cNvPr>
+          <p:cNvSpPr/>
+          <p:nvPr/>
+        </p:nvSpPr>
+        <p:spPr>
+          <a:xfrm flipH="1">
+            <a:off x="3989183" y="5452455"/>
+            <a:ext cx="466070" cy="402741"/>
+          </a:xfrm>
+          <a:prstGeom prst="bentUpArrow">
+            <a:avLst>
+              <a:gd name="adj1" fmla="val 34422"/>
+              <a:gd name="adj2" fmla="val 34422"/>
+              <a:gd name="adj3" fmla="val 39385"/>
+            </a:avLst>
+          </a:prstGeom>
+          <a:solidFill>
+            <a:srgbClr val="9BE601"/>
+          </a:solidFill>
+          <a:ln>
+            <a:noFill/>
+          </a:ln>
+          <a:effectLst/>
+        </p:spPr>
+        <p:style>
+          <a:lnRef idx="1">
+            <a:schemeClr val="accent1"/>
+          </a:lnRef>
+          <a:fillRef idx="3">
+            <a:schemeClr val="accent1"/>
+          </a:fillRef>
+          <a:effectRef idx="2">
+            <a:schemeClr val="accent1"/>
+          </a:effectRef>
+          <a:fontRef idx="minor">
+            <a:schemeClr val="lt1"/>
+          </a:fontRef>
+        </p:style>
+        <p:txBody>
+          <a:bodyPr rtlCol="0" anchor="ctr"/>
+          <a:lstStyle/>
+          <a:p>
+            <a:pPr algn="ctr"/>
+            <a:endParaRPr lang="de-DE" sz="1600" b="1">
+              <a:solidFill>
+                <a:schemeClr val="bg1"/>
+              </a:solidFill>
+              <a:latin typeface="Open Sans" panose="020B0606030504020204" pitchFamily="34" charset="0"/>
+              <a:ea typeface="Open Sans" panose="020B0606030504020204" pitchFamily="34" charset="0"/>
+              <a:cs typeface="Open Sans" panose="020B0606030504020204" pitchFamily="34" charset="0"/>
+            </a:endParaRPr>
+          </a:p>
+        </p:txBody>
+      </p:sp>
+      <p:sp>
+        <p:nvSpPr>
+          <p:cNvPr id="37" name="Rechteck 36">
+            <a:extLst>
+              <a:ext uri="{FF2B5EF4-FFF2-40B4-BE49-F238E27FC236}">
+                <a16:creationId xmlns:a16="http://schemas.microsoft.com/office/drawing/2014/main" id="{979D82C3-2C69-9749-9B8F-687C3A0D5BA6}"/>
+              </a:ext>
+            </a:extLst>
+          </p:cNvPr>
+          <p:cNvSpPr/>
+          <p:nvPr/>
+        </p:nvSpPr>
+        <p:spPr>
+          <a:xfrm>
+            <a:off x="4308596" y="5458333"/>
+            <a:ext cx="730164" cy="761629"/>
+          </a:xfrm>
+          <a:prstGeom prst="rect">
+            <a:avLst/>
+          </a:prstGeom>
+          <a:solidFill>
+            <a:srgbClr val="9BE601"/>
+          </a:solidFill>
+          <a:ln>
+            <a:noFill/>
+          </a:ln>
+          <a:effectLst/>
+        </p:spPr>
+        <p:style>
+          <a:lnRef idx="1">
+            <a:schemeClr val="accent1"/>
+          </a:lnRef>
+          <a:fillRef idx="3">
+            <a:schemeClr val="accent1"/>
+          </a:fillRef>
+          <a:effectRef idx="2">
+            <a:schemeClr val="accent1"/>
+          </a:effectRef>
+          <a:fontRef idx="minor">
+            <a:schemeClr val="lt1"/>
+          </a:fontRef>
+        </p:style>
+        <p:txBody>
+          <a:bodyPr lIns="36000" tIns="0" rIns="36000" bIns="0" rtlCol="0" anchor="ctr"/>
+          <a:lstStyle/>
+          <a:p>
+            <a:pPr algn="ctr"/>
+            <a:r>
+              <a:rPr lang="de-DE" sz="1100" b="1" dirty="0">
+                <a:solidFill>
+                  <a:schemeClr val="bg1"/>
+                </a:solidFill>
+                <a:latin typeface="Open Sans" panose="020B0606030504020204" pitchFamily="34" charset="0"/>
+                <a:ea typeface="Open Sans" panose="020B0606030504020204" pitchFamily="34" charset="0"/>
+                <a:cs typeface="Open Sans" panose="020B0606030504020204" pitchFamily="34" charset="0"/>
+              </a:rPr>
+              <a:t>evtl.</a:t>
+            </a:r>
+          </a:p>
+          <a:p>
+            <a:pPr algn="ctr"/>
+            <a:r>
+              <a:rPr lang="de-DE" sz="1100" b="1" dirty="0">
+                <a:solidFill>
+                  <a:schemeClr val="bg1"/>
+                </a:solidFill>
+                <a:latin typeface="Open Sans" panose="020B0606030504020204" pitchFamily="34" charset="0"/>
+                <a:ea typeface="Open Sans" panose="020B0606030504020204" pitchFamily="34" charset="0"/>
+                <a:cs typeface="Open Sans" panose="020B0606030504020204" pitchFamily="34" charset="0"/>
+              </a:rPr>
+              <a:t>unter</a:t>
+            </a:r>
+          </a:p>
+          <a:p>
+            <a:pPr algn="ctr"/>
+            <a:r>
+              <a:rPr lang="de-DE" sz="1100" b="1" dirty="0">
+                <a:solidFill>
+                  <a:schemeClr val="bg1"/>
+                </a:solidFill>
+                <a:latin typeface="Open Sans" panose="020B0606030504020204" pitchFamily="34" charset="0"/>
+                <a:ea typeface="Open Sans" panose="020B0606030504020204" pitchFamily="34" charset="0"/>
+                <a:cs typeface="Open Sans" panose="020B0606030504020204" pitchFamily="34" charset="0"/>
+              </a:rPr>
+              <a:t>Rekurs</a:t>
+            </a:r>
+          </a:p>
+          <a:p>
+            <a:pPr algn="ctr"/>
+            <a:r>
+              <a:rPr lang="de-DE" sz="1100" b="1" dirty="0">
+                <a:solidFill>
+                  <a:schemeClr val="bg1"/>
+                </a:solidFill>
+                <a:latin typeface="Open Sans" panose="020B0606030504020204" pitchFamily="34" charset="0"/>
+                <a:ea typeface="Open Sans" panose="020B0606030504020204" pitchFamily="34" charset="0"/>
+                <a:cs typeface="Open Sans" panose="020B0606030504020204" pitchFamily="34" charset="0"/>
+              </a:rPr>
+              <a:t>auf</a:t>
+            </a:r>
+          </a:p>
+        </p:txBody>
+      </p:sp>
+      <p:sp>
+        <p:nvSpPr>
+          <p:cNvPr id="38" name="Nach oben gebogener Pfeil 37">
+            <a:extLst>
+              <a:ext uri="{FF2B5EF4-FFF2-40B4-BE49-F238E27FC236}">
+                <a16:creationId xmlns:a16="http://schemas.microsoft.com/office/drawing/2014/main" id="{9C5E078F-52F3-6A47-A62E-2B2B2969C260}"/>
+              </a:ext>
+            </a:extLst>
+          </p:cNvPr>
+          <p:cNvSpPr/>
+          <p:nvPr/>
+        </p:nvSpPr>
+        <p:spPr>
+          <a:xfrm flipH="1">
+            <a:off x="2756181" y="5365186"/>
+            <a:ext cx="466070" cy="486588"/>
+          </a:xfrm>
+          <a:prstGeom prst="bentUpArrow">
+            <a:avLst>
+              <a:gd name="adj1" fmla="val 31193"/>
+              <a:gd name="adj2" fmla="val 0"/>
+              <a:gd name="adj3" fmla="val 0"/>
+            </a:avLst>
+          </a:prstGeom>
+          <a:solidFill>
+            <a:srgbClr val="8CD000"/>
+          </a:solidFill>
+          <a:ln>
+            <a:noFill/>
+          </a:ln>
+          <a:effectLst/>
+        </p:spPr>
+        <p:style>
+          <a:lnRef idx="1">
+            <a:schemeClr val="accent1"/>
+          </a:lnRef>
+          <a:fillRef idx="3">
+            <a:schemeClr val="accent1"/>
+          </a:fillRef>
+          <a:effectRef idx="2">
+            <a:schemeClr val="accent1"/>
+          </a:effectRef>
+          <a:fontRef idx="minor">
+            <a:schemeClr val="lt1"/>
+          </a:fontRef>
+        </p:style>
+        <p:txBody>
+          <a:bodyPr rtlCol="0" anchor="ctr"/>
+          <a:lstStyle/>
+          <a:p>
+            <a:pPr algn="ctr"/>
+            <a:endParaRPr lang="de-DE" sz="1600" b="1">
+              <a:solidFill>
+                <a:schemeClr val="bg1"/>
+              </a:solidFill>
+              <a:latin typeface="Open Sans" panose="020B0606030504020204" pitchFamily="34" charset="0"/>
+              <a:ea typeface="Open Sans" panose="020B0606030504020204" pitchFamily="34" charset="0"/>
+              <a:cs typeface="Open Sans" panose="020B0606030504020204" pitchFamily="34" charset="0"/>
+            </a:endParaRPr>
+          </a:p>
+        </p:txBody>
+      </p:sp>
+      <p:sp>
+        <p:nvSpPr>
+          <p:cNvPr id="39" name="Rechteck 38">
+            <a:extLst>
+              <a:ext uri="{FF2B5EF4-FFF2-40B4-BE49-F238E27FC236}">
+                <a16:creationId xmlns:a16="http://schemas.microsoft.com/office/drawing/2014/main" id="{3AAF2F5E-A2E4-D64A-98D2-73118D45FC09}"/>
+              </a:ext>
+            </a:extLst>
+          </p:cNvPr>
+          <p:cNvSpPr/>
+          <p:nvPr/>
+        </p:nvSpPr>
+        <p:spPr>
+          <a:xfrm>
+            <a:off x="2904689" y="5455176"/>
+            <a:ext cx="723518" cy="761629"/>
+          </a:xfrm>
+          <a:prstGeom prst="rect">
+            <a:avLst/>
+          </a:prstGeom>
+          <a:solidFill>
+            <a:srgbClr val="8CD000"/>
+          </a:solidFill>
+          <a:ln>
+            <a:noFill/>
+          </a:ln>
+          <a:effectLst/>
+        </p:spPr>
+        <p:style>
+          <a:lnRef idx="1">
+            <a:schemeClr val="accent1"/>
+          </a:lnRef>
+          <a:fillRef idx="3">
+            <a:schemeClr val="accent1"/>
+          </a:fillRef>
+          <a:effectRef idx="2">
+            <a:schemeClr val="accent1"/>
+          </a:effectRef>
+          <a:fontRef idx="minor">
+            <a:schemeClr val="lt1"/>
+          </a:fontRef>
+        </p:style>
+        <p:txBody>
+          <a:bodyPr lIns="18000" tIns="0" rIns="18000" bIns="0" rtlCol="0" anchor="ctr"/>
+          <a:lstStyle/>
+          <a:p>
+            <a:pPr algn="ctr"/>
+            <a:r>
+              <a:rPr lang="de-DE" sz="1100" b="1" dirty="0">
+                <a:solidFill>
+                  <a:schemeClr val="bg1"/>
+                </a:solidFill>
+                <a:latin typeface="Open Sans" panose="020B0606030504020204" pitchFamily="34" charset="0"/>
+                <a:ea typeface="Open Sans" panose="020B0606030504020204" pitchFamily="34" charset="0"/>
+                <a:cs typeface="Open Sans" panose="020B0606030504020204" pitchFamily="34" charset="0"/>
+              </a:rPr>
+              <a:t>erhöht Wahr-schein-</a:t>
+            </a:r>
+            <a:r>
+              <a:rPr lang="de-DE" sz="1100" b="1" dirty="0" err="1">
+                <a:solidFill>
+                  <a:schemeClr val="bg1"/>
+                </a:solidFill>
+                <a:latin typeface="Open Sans" panose="020B0606030504020204" pitchFamily="34" charset="0"/>
+                <a:ea typeface="Open Sans" panose="020B0606030504020204" pitchFamily="34" charset="0"/>
+                <a:cs typeface="Open Sans" panose="020B0606030504020204" pitchFamily="34" charset="0"/>
+              </a:rPr>
+              <a:t>lichkeit</a:t>
+            </a:r>
+            <a:endParaRPr lang="de-DE" sz="1100" b="1" dirty="0">
+              <a:solidFill>
+                <a:schemeClr val="bg1"/>
+              </a:solidFill>
+              <a:latin typeface="Open Sans" panose="020B0606030504020204" pitchFamily="34" charset="0"/>
+              <a:ea typeface="Open Sans" panose="020B0606030504020204" pitchFamily="34" charset="0"/>
+              <a:cs typeface="Open Sans" panose="020B0606030504020204" pitchFamily="34" charset="0"/>
+            </a:endParaRPr>
+          </a:p>
+        </p:txBody>
+      </p:sp>
+      <p:sp>
+        <p:nvSpPr>
+          <p:cNvPr id="45" name="Nach oben gebogener Pfeil 44">
+            <a:extLst>
+              <a:ext uri="{FF2B5EF4-FFF2-40B4-BE49-F238E27FC236}">
+                <a16:creationId xmlns:a16="http://schemas.microsoft.com/office/drawing/2014/main" id="{30FCBF35-9766-6142-A0C0-DFFD09DCC646}"/>
+              </a:ext>
+            </a:extLst>
+          </p:cNvPr>
+          <p:cNvSpPr/>
+          <p:nvPr/>
+        </p:nvSpPr>
+        <p:spPr>
+          <a:xfrm>
+            <a:off x="6207226" y="5361177"/>
+            <a:ext cx="464668" cy="490597"/>
+          </a:xfrm>
+          <a:prstGeom prst="bentUpArrow">
+            <a:avLst>
+              <a:gd name="adj1" fmla="val 29563"/>
+              <a:gd name="adj2" fmla="val 34422"/>
+              <a:gd name="adj3" fmla="val 0"/>
+            </a:avLst>
+          </a:prstGeom>
+          <a:solidFill>
+            <a:srgbClr val="9BE601"/>
+          </a:solidFill>
+          <a:ln>
+            <a:noFill/>
+          </a:ln>
+          <a:effectLst/>
+        </p:spPr>
+        <p:style>
+          <a:lnRef idx="1">
+            <a:schemeClr val="accent1"/>
+          </a:lnRef>
+          <a:fillRef idx="3">
+            <a:schemeClr val="accent1"/>
+          </a:fillRef>
+          <a:effectRef idx="2">
+            <a:schemeClr val="accent1"/>
+          </a:effectRef>
+          <a:fontRef idx="minor">
+            <a:schemeClr val="lt1"/>
+          </a:fontRef>
+        </p:style>
+        <p:txBody>
+          <a:bodyPr rtlCol="0" anchor="ctr"/>
+          <a:lstStyle/>
+          <a:p>
+            <a:pPr algn="ctr"/>
+            <a:endParaRPr lang="de-DE" sz="1600" b="1">
+              <a:solidFill>
+                <a:schemeClr val="bg1"/>
+              </a:solidFill>
+              <a:latin typeface="Open Sans" panose="020B0606030504020204" pitchFamily="34" charset="0"/>
+              <a:ea typeface="Open Sans" panose="020B0606030504020204" pitchFamily="34" charset="0"/>
+              <a:cs typeface="Open Sans" panose="020B0606030504020204" pitchFamily="34" charset="0"/>
+            </a:endParaRPr>
+          </a:p>
+        </p:txBody>
+      </p:sp>
+      <p:sp>
+        <p:nvSpPr>
+          <p:cNvPr id="52" name="Nach oben gebogener Pfeil 51">
+            <a:extLst>
+              <a:ext uri="{FF2B5EF4-FFF2-40B4-BE49-F238E27FC236}">
+                <a16:creationId xmlns:a16="http://schemas.microsoft.com/office/drawing/2014/main" id="{F7E53E98-0469-A44C-9C86-1ECBAF97BE80}"/>
+              </a:ext>
+            </a:extLst>
+          </p:cNvPr>
+          <p:cNvSpPr/>
+          <p:nvPr/>
+        </p:nvSpPr>
+        <p:spPr>
+          <a:xfrm flipH="1">
+            <a:off x="5317004" y="5452455"/>
+            <a:ext cx="466070" cy="402741"/>
+          </a:xfrm>
+          <a:prstGeom prst="bentUpArrow">
+            <a:avLst>
+              <a:gd name="adj1" fmla="val 34422"/>
+              <a:gd name="adj2" fmla="val 34422"/>
+              <a:gd name="adj3" fmla="val 39385"/>
+            </a:avLst>
+          </a:prstGeom>
+          <a:solidFill>
+            <a:srgbClr val="9BE601"/>
+          </a:solidFill>
+          <a:ln>
+            <a:noFill/>
+          </a:ln>
+          <a:effectLst/>
+        </p:spPr>
+        <p:style>
+          <a:lnRef idx="1">
+            <a:schemeClr val="accent1"/>
+          </a:lnRef>
+          <a:fillRef idx="3">
+            <a:schemeClr val="accent1"/>
+          </a:fillRef>
+          <a:effectRef idx="2">
+            <a:schemeClr val="accent1"/>
+          </a:effectRef>
+          <a:fontRef idx="minor">
+            <a:schemeClr val="lt1"/>
+          </a:fontRef>
+        </p:style>
+        <p:txBody>
+          <a:bodyPr rtlCol="0" anchor="ctr"/>
+          <a:lstStyle/>
+          <a:p>
+            <a:pPr algn="ctr"/>
+            <a:endParaRPr lang="de-DE" sz="1600" b="1">
+              <a:solidFill>
+                <a:schemeClr val="bg1"/>
+              </a:solidFill>
+              <a:latin typeface="Open Sans" panose="020B0606030504020204" pitchFamily="34" charset="0"/>
+              <a:ea typeface="Open Sans" panose="020B0606030504020204" pitchFamily="34" charset="0"/>
+              <a:cs typeface="Open Sans" panose="020B0606030504020204" pitchFamily="34" charset="0"/>
+            </a:endParaRPr>
+          </a:p>
+        </p:txBody>
+      </p:sp>
+      <p:sp>
+        <p:nvSpPr>
+          <p:cNvPr id="55" name="Rechteck 54">
+            <a:extLst>
+              <a:ext uri="{FF2B5EF4-FFF2-40B4-BE49-F238E27FC236}">
+                <a16:creationId xmlns:a16="http://schemas.microsoft.com/office/drawing/2014/main" id="{E1504361-10B4-1546-A220-9FD3BBBCAD2F}"/>
+              </a:ext>
+            </a:extLst>
+          </p:cNvPr>
+          <p:cNvSpPr/>
+          <p:nvPr/>
+        </p:nvSpPr>
+        <p:spPr>
+          <a:xfrm>
+            <a:off x="5636417" y="5458333"/>
+            <a:ext cx="714789" cy="761629"/>
+          </a:xfrm>
+          <a:prstGeom prst="rect">
+            <a:avLst/>
+          </a:prstGeom>
+          <a:solidFill>
+            <a:srgbClr val="9BE601"/>
+          </a:solidFill>
+          <a:ln>
+            <a:noFill/>
+          </a:ln>
+          <a:effectLst/>
+        </p:spPr>
+        <p:style>
+          <a:lnRef idx="1">
+            <a:schemeClr val="accent1"/>
+          </a:lnRef>
+          <a:fillRef idx="3">
+            <a:schemeClr val="accent1"/>
+          </a:fillRef>
+          <a:effectRef idx="2">
+            <a:schemeClr val="accent1"/>
+          </a:effectRef>
+          <a:fontRef idx="minor">
+            <a:schemeClr val="lt1"/>
+          </a:fontRef>
+        </p:style>
+        <p:txBody>
+          <a:bodyPr lIns="36000" tIns="0" rIns="36000" bIns="0" rtlCol="0" anchor="ctr"/>
+          <a:lstStyle/>
+          <a:p>
+            <a:pPr algn="ctr"/>
+            <a:r>
+              <a:rPr lang="de-DE" sz="1100" b="1" dirty="0">
+                <a:solidFill>
+                  <a:schemeClr val="bg1"/>
+                </a:solidFill>
+                <a:latin typeface="Open Sans" panose="020B0606030504020204" pitchFamily="34" charset="0"/>
+                <a:ea typeface="Open Sans" panose="020B0606030504020204" pitchFamily="34" charset="0"/>
+                <a:cs typeface="Open Sans" panose="020B0606030504020204" pitchFamily="34" charset="0"/>
+              </a:rPr>
+              <a:t>evtl. unter Rekurs</a:t>
+            </a:r>
+          </a:p>
+          <a:p>
+            <a:pPr algn="ctr"/>
+            <a:r>
+              <a:rPr lang="de-DE" sz="1100" b="1" dirty="0">
+                <a:solidFill>
+                  <a:schemeClr val="bg1"/>
+                </a:solidFill>
+                <a:latin typeface="Open Sans" panose="020B0606030504020204" pitchFamily="34" charset="0"/>
+                <a:ea typeface="Open Sans" panose="020B0606030504020204" pitchFamily="34" charset="0"/>
+                <a:cs typeface="Open Sans" panose="020B0606030504020204" pitchFamily="34" charset="0"/>
+              </a:rPr>
+              <a:t>auf</a:t>
+            </a:r>
+          </a:p>
+        </p:txBody>
+      </p:sp>
+      <p:sp>
+        <p:nvSpPr>
+          <p:cNvPr id="57" name="Rechteck 56">
+            <a:extLst>
+              <a:ext uri="{FF2B5EF4-FFF2-40B4-BE49-F238E27FC236}">
+                <a16:creationId xmlns:a16="http://schemas.microsoft.com/office/drawing/2014/main" id="{23F56F12-120A-884E-A838-D90CEA936984}"/>
+              </a:ext>
+            </a:extLst>
+          </p:cNvPr>
+          <p:cNvSpPr/>
+          <p:nvPr/>
+        </p:nvSpPr>
+        <p:spPr>
+          <a:xfrm>
+            <a:off x="7189756" y="2330989"/>
+            <a:ext cx="1188736" cy="3043250"/>
+          </a:xfrm>
+          <a:prstGeom prst="rect">
+            <a:avLst/>
+          </a:prstGeom>
+          <a:solidFill>
+            <a:srgbClr val="9BE601"/>
+          </a:solidFill>
+          <a:ln>
+            <a:noFill/>
+          </a:ln>
+          <a:effectLst/>
+        </p:spPr>
+        <p:style>
+          <a:lnRef idx="1">
+            <a:schemeClr val="accent1"/>
+          </a:lnRef>
+          <a:fillRef idx="3">
+            <a:schemeClr val="accent1"/>
+          </a:fillRef>
+          <a:effectRef idx="2">
+            <a:schemeClr val="accent1"/>
+          </a:effectRef>
+          <a:fontRef idx="minor">
+            <a:schemeClr val="lt1"/>
+          </a:fontRef>
+        </p:style>
+        <p:txBody>
+          <a:bodyPr lIns="36000" tIns="72000" rIns="36000" bIns="0" rtlCol="0" anchor="t" anchorCtr="0"/>
+          <a:lstStyle/>
+          <a:p>
+            <a:pPr algn="ctr"/>
+            <a:r>
+              <a:rPr lang="de-DE" sz="1600" b="1" dirty="0">
+                <a:solidFill>
+                  <a:schemeClr val="bg1"/>
+                </a:solidFill>
+                <a:latin typeface="Open Sans" panose="020B0606030504020204" pitchFamily="34" charset="0"/>
+                <a:ea typeface="Open Sans" panose="020B0606030504020204" pitchFamily="34" charset="0"/>
+                <a:cs typeface="Open Sans" panose="020B0606030504020204" pitchFamily="34" charset="0"/>
+              </a:rPr>
+              <a:t>Treffen von </a:t>
+            </a:r>
+            <a:r>
+              <a:rPr lang="de-DE" sz="1500" b="1" dirty="0">
+                <a:solidFill>
+                  <a:schemeClr val="bg1"/>
+                </a:solidFill>
+                <a:latin typeface="Open Sans" panose="020B0606030504020204" pitchFamily="34" charset="0"/>
+                <a:ea typeface="Open Sans" panose="020B0606030504020204" pitchFamily="34" charset="0"/>
+                <a:cs typeface="Open Sans" panose="020B0606030504020204" pitchFamily="34" charset="0"/>
+              </a:rPr>
+              <a:t>Handlungs-</a:t>
+            </a:r>
+          </a:p>
+          <a:p>
+            <a:pPr algn="ctr"/>
+            <a:r>
+              <a:rPr lang="de-DE" sz="1500" b="1" dirty="0" err="1">
+                <a:solidFill>
+                  <a:schemeClr val="bg1"/>
+                </a:solidFill>
+                <a:latin typeface="Open Sans" panose="020B0606030504020204" pitchFamily="34" charset="0"/>
+                <a:ea typeface="Open Sans" panose="020B0606030504020204" pitchFamily="34" charset="0"/>
+                <a:cs typeface="Open Sans" panose="020B0606030504020204" pitchFamily="34" charset="0"/>
+              </a:rPr>
+              <a:t>entschei-dungen</a:t>
+            </a:r>
+            <a:r>
+              <a:rPr lang="de-DE" sz="1500" b="1" dirty="0">
+                <a:solidFill>
+                  <a:schemeClr val="bg1"/>
+                </a:solidFill>
+                <a:latin typeface="Open Sans" panose="020B0606030504020204" pitchFamily="34" charset="0"/>
+                <a:ea typeface="Open Sans" panose="020B0606030504020204" pitchFamily="34" charset="0"/>
+                <a:cs typeface="Open Sans" panose="020B0606030504020204" pitchFamily="34" charset="0"/>
+              </a:rPr>
+              <a:t> und Handeln</a:t>
+            </a:r>
+          </a:p>
+          <a:p>
+            <a:pPr algn="ctr"/>
+            <a:endParaRPr lang="de-DE" sz="1200" b="1" dirty="0">
+              <a:solidFill>
+                <a:schemeClr val="bg1"/>
+              </a:solidFill>
+              <a:latin typeface="Open Sans" panose="020B0606030504020204" pitchFamily="34" charset="0"/>
+              <a:ea typeface="Open Sans" panose="020B0606030504020204" pitchFamily="34" charset="0"/>
+              <a:cs typeface="Open Sans" panose="020B0606030504020204" pitchFamily="34" charset="0"/>
+            </a:endParaRPr>
+          </a:p>
+          <a:p>
+            <a:pPr algn="ctr">
+              <a:spcAft>
+                <a:spcPts val="600"/>
+              </a:spcAft>
+            </a:pPr>
+            <a:r>
+              <a:rPr lang="de-DE" sz="1200" b="1" dirty="0">
+                <a:solidFill>
+                  <a:schemeClr val="bg1"/>
+                </a:solidFill>
+                <a:latin typeface="Open Sans" panose="020B0606030504020204" pitchFamily="34" charset="0"/>
+                <a:ea typeface="Open Sans" panose="020B0606030504020204" pitchFamily="34" charset="0"/>
+                <a:cs typeface="Open Sans" panose="020B0606030504020204" pitchFamily="34" charset="0"/>
+              </a:rPr>
+              <a:t>in der Schulpraxis</a:t>
+            </a:r>
+          </a:p>
+        </p:txBody>
+      </p:sp>
+      <p:sp>
+        <p:nvSpPr>
+          <p:cNvPr id="58" name="Nach oben gebogener Pfeil 57">
+            <a:extLst>
+              <a:ext uri="{FF2B5EF4-FFF2-40B4-BE49-F238E27FC236}">
+                <a16:creationId xmlns:a16="http://schemas.microsoft.com/office/drawing/2014/main" id="{A054DE1C-3D3D-AB4B-86E8-0E537078B592}"/>
+              </a:ext>
+            </a:extLst>
+          </p:cNvPr>
+          <p:cNvSpPr/>
+          <p:nvPr/>
+        </p:nvSpPr>
+        <p:spPr>
+          <a:xfrm>
+            <a:off x="7528170" y="5352729"/>
+            <a:ext cx="464668" cy="490597"/>
+          </a:xfrm>
+          <a:prstGeom prst="bentUpArrow">
+            <a:avLst>
+              <a:gd name="adj1" fmla="val 29563"/>
+              <a:gd name="adj2" fmla="val 34422"/>
+              <a:gd name="adj3" fmla="val 0"/>
+            </a:avLst>
+          </a:prstGeom>
+          <a:solidFill>
+            <a:srgbClr val="9BE601"/>
+          </a:solidFill>
+          <a:ln>
+            <a:noFill/>
+          </a:ln>
+          <a:effectLst/>
+        </p:spPr>
+        <p:style>
+          <a:lnRef idx="1">
+            <a:schemeClr val="accent1"/>
+          </a:lnRef>
+          <a:fillRef idx="3">
+            <a:schemeClr val="accent1"/>
+          </a:fillRef>
+          <a:effectRef idx="2">
+            <a:schemeClr val="accent1"/>
+          </a:effectRef>
+          <a:fontRef idx="minor">
+            <a:schemeClr val="lt1"/>
+          </a:fontRef>
+        </p:style>
+        <p:txBody>
+          <a:bodyPr rtlCol="0" anchor="ctr"/>
+          <a:lstStyle/>
+          <a:p>
+            <a:pPr algn="ctr"/>
+            <a:endParaRPr lang="de-DE" sz="1600" b="1">
+              <a:solidFill>
+                <a:schemeClr val="bg1"/>
+              </a:solidFill>
+              <a:latin typeface="Open Sans" panose="020B0606030504020204" pitchFamily="34" charset="0"/>
+              <a:ea typeface="Open Sans" panose="020B0606030504020204" pitchFamily="34" charset="0"/>
+              <a:cs typeface="Open Sans" panose="020B0606030504020204" pitchFamily="34" charset="0"/>
+            </a:endParaRPr>
+          </a:p>
+        </p:txBody>
+      </p:sp>
+      <p:sp>
+        <p:nvSpPr>
+          <p:cNvPr id="59" name="Nach oben gebogener Pfeil 58">
+            <a:extLst>
+              <a:ext uri="{FF2B5EF4-FFF2-40B4-BE49-F238E27FC236}">
+                <a16:creationId xmlns:a16="http://schemas.microsoft.com/office/drawing/2014/main" id="{11A125F1-B95A-FA4D-90CB-7E3E1227BF75}"/>
+              </a:ext>
+            </a:extLst>
+          </p:cNvPr>
+          <p:cNvSpPr/>
+          <p:nvPr/>
+        </p:nvSpPr>
+        <p:spPr>
+          <a:xfrm flipH="1">
+            <a:off x="6637957" y="5444007"/>
+            <a:ext cx="466070" cy="402741"/>
+          </a:xfrm>
+          <a:prstGeom prst="bentUpArrow">
+            <a:avLst>
+              <a:gd name="adj1" fmla="val 34422"/>
+              <a:gd name="adj2" fmla="val 34422"/>
+              <a:gd name="adj3" fmla="val 39385"/>
+            </a:avLst>
+          </a:prstGeom>
+          <a:solidFill>
+            <a:srgbClr val="9BE601"/>
+          </a:solidFill>
+          <a:ln>
+            <a:noFill/>
+          </a:ln>
+          <a:effectLst/>
+        </p:spPr>
+        <p:style>
+          <a:lnRef idx="1">
+            <a:schemeClr val="accent1"/>
+          </a:lnRef>
+          <a:fillRef idx="3">
+            <a:schemeClr val="accent1"/>
+          </a:fillRef>
+          <a:effectRef idx="2">
+            <a:schemeClr val="accent1"/>
+          </a:effectRef>
+          <a:fontRef idx="minor">
+            <a:schemeClr val="lt1"/>
+          </a:fontRef>
+        </p:style>
+        <p:txBody>
+          <a:bodyPr rtlCol="0" anchor="ctr"/>
+          <a:lstStyle/>
+          <a:p>
+            <a:pPr algn="ctr"/>
+            <a:endParaRPr lang="de-DE" sz="1600" b="1">
+              <a:solidFill>
+                <a:schemeClr val="bg1"/>
+              </a:solidFill>
+              <a:latin typeface="Open Sans" panose="020B0606030504020204" pitchFamily="34" charset="0"/>
+              <a:ea typeface="Open Sans" panose="020B0606030504020204" pitchFamily="34" charset="0"/>
+              <a:cs typeface="Open Sans" panose="020B0606030504020204" pitchFamily="34" charset="0"/>
+            </a:endParaRPr>
+          </a:p>
+        </p:txBody>
+      </p:sp>
+      <p:sp>
+        <p:nvSpPr>
+          <p:cNvPr id="60" name="Rechteck 59">
+            <a:extLst>
+              <a:ext uri="{FF2B5EF4-FFF2-40B4-BE49-F238E27FC236}">
+                <a16:creationId xmlns:a16="http://schemas.microsoft.com/office/drawing/2014/main" id="{6C6F12B1-D707-1544-9942-2E40E9CD36B6}"/>
+              </a:ext>
+            </a:extLst>
+          </p:cNvPr>
+          <p:cNvSpPr/>
+          <p:nvPr/>
+        </p:nvSpPr>
+        <p:spPr>
+          <a:xfrm>
+            <a:off x="6957370" y="5449885"/>
+            <a:ext cx="714789" cy="761629"/>
+          </a:xfrm>
+          <a:prstGeom prst="rect">
+            <a:avLst/>
+          </a:prstGeom>
+          <a:solidFill>
+            <a:srgbClr val="9BE601"/>
+          </a:solidFill>
+          <a:ln>
+            <a:noFill/>
+          </a:ln>
+          <a:effectLst/>
+        </p:spPr>
+        <p:style>
+          <a:lnRef idx="1">
+            <a:schemeClr val="accent1"/>
+          </a:lnRef>
+          <a:fillRef idx="3">
+            <a:schemeClr val="accent1"/>
+          </a:fillRef>
+          <a:effectRef idx="2">
+            <a:schemeClr val="accent1"/>
+          </a:effectRef>
+          <a:fontRef idx="minor">
+            <a:schemeClr val="lt1"/>
+          </a:fontRef>
+        </p:style>
+        <p:txBody>
+          <a:bodyPr lIns="36000" tIns="0" rIns="36000" bIns="0" rtlCol="0" anchor="ctr"/>
+          <a:lstStyle/>
+          <a:p>
+            <a:pPr algn="ctr"/>
+            <a:r>
+              <a:rPr lang="de-DE" sz="1100" b="1" dirty="0">
+                <a:solidFill>
+                  <a:schemeClr val="bg1"/>
+                </a:solidFill>
+                <a:latin typeface="Open Sans" panose="020B0606030504020204" pitchFamily="34" charset="0"/>
+                <a:ea typeface="Open Sans" panose="020B0606030504020204" pitchFamily="34" charset="0"/>
+                <a:cs typeface="Open Sans" panose="020B0606030504020204" pitchFamily="34" charset="0"/>
+              </a:rPr>
+              <a:t>evtl. unter Rekurs</a:t>
+            </a:r>
+          </a:p>
+          <a:p>
+            <a:pPr algn="ctr"/>
+            <a:r>
+              <a:rPr lang="de-DE" sz="1100" b="1" dirty="0">
+                <a:solidFill>
+                  <a:schemeClr val="bg1"/>
+                </a:solidFill>
+                <a:latin typeface="Open Sans" panose="020B0606030504020204" pitchFamily="34" charset="0"/>
+                <a:ea typeface="Open Sans" panose="020B0606030504020204" pitchFamily="34" charset="0"/>
+                <a:cs typeface="Open Sans" panose="020B0606030504020204" pitchFamily="34" charset="0"/>
+              </a:rPr>
+              <a:t>auf</a:t>
+            </a:r>
+          </a:p>
+        </p:txBody>
+      </p:sp>
+      <p:sp>
+        <p:nvSpPr>
+          <p:cNvPr id="61" name="Rectangle 7">
+            <a:extLst>
+              <a:ext uri="{FF2B5EF4-FFF2-40B4-BE49-F238E27FC236}">
+                <a16:creationId xmlns:a16="http://schemas.microsoft.com/office/drawing/2014/main" id="{8E384CC5-320C-4C45-8FE7-DC9CD45F85EE}"/>
+              </a:ext>
+            </a:extLst>
+          </p:cNvPr>
+          <p:cNvSpPr>
+            <a:spLocks noChangeArrowheads="1"/>
+          </p:cNvSpPr>
+          <p:nvPr/>
+        </p:nvSpPr>
+        <p:spPr bwMode="auto">
+          <a:xfrm>
+            <a:off x="3099189" y="319088"/>
+            <a:ext cx="5320912" cy="359073"/>
+          </a:xfrm>
+          <a:prstGeom prst="rect">
+            <a:avLst/>
+          </a:prstGeom>
+          <a:noFill/>
+          <a:ln>
+            <a:noFill/>
+          </a:ln>
+          <a:extLst>
+            <a:ext uri="{909E8E84-426E-40dd-AFC4-6F175D3DCCD1}">
+              <a14:hiddenFill xmlns:a14="http://schemas.microsoft.com/office/drawing/2010/main" xmlns="">
+                <a:solidFill>
+                  <a:srgbClr val="FFFFFF"/>
+                </a:solidFill>
+              </a14:hiddenFill>
+            </a:ext>
+            <a:ext uri="{91240B29-F687-4f45-9708-019B960494DF}">
+              <a14:hiddenLine xmlns:a14="http://schemas.microsoft.com/office/drawing/2010/main" xmlns="" w="9525">
+                <a:solidFill>
+                  <a:srgbClr val="000000"/>
+                </a:solidFill>
+                <a:miter lim="800000"/>
+                <a:headEnd/>
+                <a:tailEnd/>
+              </a14:hiddenLine>
+            </a:ext>
+          </a:extLst>
+        </p:spPr>
+        <p:txBody>
+          <a:bodyPr wrap="square" lIns="0" tIns="0" rIns="0" bIns="0">
+            <a:spAutoFit/>
+          </a:bodyPr>
+          <a:lstStyle/>
+          <a:p>
+            <a:pPr algn="r">
+              <a:lnSpc>
+                <a:spcPts val="1400"/>
+              </a:lnSpc>
+            </a:pPr>
+            <a:r>
+              <a:rPr lang="de-DE" sz="1100" b="1" dirty="0">
+                <a:solidFill>
+                  <a:schemeClr val="bg1"/>
+                </a:solidFill>
+                <a:latin typeface="Open Sans" panose="020B0606030504020204" pitchFamily="34" charset="0"/>
+                <a:ea typeface="Open Sans" panose="020B0606030504020204" pitchFamily="34" charset="0"/>
+                <a:cs typeface="Open Sans" panose="020B0606030504020204" pitchFamily="34" charset="0"/>
+              </a:rPr>
+              <a:t>Professionalität als Meta-Reflexivität</a:t>
+            </a:r>
+          </a:p>
+          <a:p>
+            <a:pPr algn="r">
+              <a:lnSpc>
+                <a:spcPts val="1400"/>
+              </a:lnSpc>
+            </a:pPr>
+            <a:r>
+              <a:rPr lang="de-DE" sz="1100" b="1" dirty="0">
+                <a:solidFill>
+                  <a:schemeClr val="bg1"/>
+                </a:solidFill>
+                <a:latin typeface="Open Sans" panose="020B0606030504020204" pitchFamily="34" charset="0"/>
+                <a:ea typeface="Open Sans" panose="020B0606030504020204" pitchFamily="34" charset="0"/>
+                <a:cs typeface="Open Sans" panose="020B0606030504020204" pitchFamily="34" charset="0"/>
+              </a:rPr>
+              <a:t>Meta-Reflexivität: Skizze eines neuen Ansatzes der Professionalität</a:t>
+            </a:r>
+          </a:p>
+        </p:txBody>
+      </p:sp>
+    </p:spTree>
+    <p:extLst>
+      <p:ext uri="{BB962C8B-B14F-4D97-AF65-F5344CB8AC3E}">
+        <p14:creationId xmlns:p14="http://schemas.microsoft.com/office/powerpoint/2010/main" val="1373963433"/>
+      </p:ext>
+    </p:extLst>
+  </p:cSld>
+  <p:clrMapOvr>
+    <a:masterClrMapping/>
+  </p:clrMapOvr>
+  <p:timing>
+    <p:tnLst>
+      <p:par>
+        <p:cTn id="1" dur="indefinite" restart="never" nodeType="tmRoot">
+          <p:childTnLst>
+            <p:seq concurrent="1" nextAc="seek">
+              <p:cTn id="2" dur="indefinite" nodeType="mainSeq">
+                <p:childTnLst>
+                  <p:par>
+                    <p:cTn id="3" fill="hold">
+                      <p:stCondLst>
+                        <p:cond delay="indefinite"/>
+                      </p:stCondLst>
+                      <p:childTnLst>
+                        <p:par>
+                          <p:cTn id="4" fill="hold">
+                            <p:stCondLst>
+                              <p:cond delay="0"/>
+                            </p:stCondLst>
+                            <p:childTnLst>
+                              <p:par>
+                                <p:cTn id="5" presetID="1" presetClass="entr" presetSubtype="0" fill="hold" grpId="0" nodeType="clickEffect">
+                                  <p:stCondLst>
+                                    <p:cond delay="0"/>
+                                  </p:stCondLst>
+                                  <p:childTnLst>
+                                    <p:set>
+                                      <p:cBhvr>
+                                        <p:cTn id="6" dur="1" fill="hold">
+                                          <p:stCondLst>
+                                            <p:cond delay="0"/>
+                                          </p:stCondLst>
+                                        </p:cTn>
+                                        <p:tgtEl>
+                                          <p:spTgt spid="27"/>
+                                        </p:tgtEl>
+                                        <p:attrNameLst>
+                                          <p:attrName>style.visibility</p:attrName>
+                                        </p:attrNameLst>
+                                      </p:cBhvr>
+                                      <p:to>
+                                        <p:strVal val="visible"/>
+                                      </p:to>
+                                    </p:set>
+                                  </p:childTnLst>
+                                </p:cTn>
+                              </p:par>
+                            </p:childTnLst>
+                          </p:cTn>
+                        </p:par>
+                      </p:childTnLst>
+                    </p:cTn>
+                  </p:par>
+                  <p:par>
+                    <p:cTn id="7" fill="hold">
+                      <p:stCondLst>
+                        <p:cond delay="indefinite"/>
+                      </p:stCondLst>
+                      <p:childTnLst>
+                        <p:par>
+                          <p:cTn id="8" fill="hold">
+                            <p:stCondLst>
+                              <p:cond delay="0"/>
+                            </p:stCondLst>
+                            <p:childTnLst>
+                              <p:par>
+                                <p:cTn id="9" presetID="1" presetClass="entr" presetSubtype="0" fill="hold" grpId="0" nodeType="clickEffect">
+                                  <p:stCondLst>
+                                    <p:cond delay="0"/>
+                                  </p:stCondLst>
+                                  <p:childTnLst>
+                                    <p:set>
+                                      <p:cBhvr>
+                                        <p:cTn id="10" dur="1" fill="hold">
+                                          <p:stCondLst>
+                                            <p:cond delay="0"/>
+                                          </p:stCondLst>
+                                        </p:cTn>
+                                        <p:tgtEl>
+                                          <p:spTgt spid="22"/>
+                                        </p:tgtEl>
+                                        <p:attrNameLst>
+                                          <p:attrName>style.visibility</p:attrName>
+                                        </p:attrNameLst>
+                                      </p:cBhvr>
+                                      <p:to>
+                                        <p:strVal val="visible"/>
+                                      </p:to>
+                                    </p:set>
+                                  </p:childTnLst>
+                                </p:cTn>
+                              </p:par>
+                            </p:childTnLst>
+                          </p:cTn>
+                        </p:par>
+                      </p:childTnLst>
+                    </p:cTn>
+                  </p:par>
+                  <p:par>
+                    <p:cTn id="11" fill="hold">
+                      <p:stCondLst>
+                        <p:cond delay="indefinite"/>
+                      </p:stCondLst>
+                      <p:childTnLst>
+                        <p:par>
+                          <p:cTn id="12" fill="hold">
+                            <p:stCondLst>
+                              <p:cond delay="0"/>
+                            </p:stCondLst>
+                            <p:childTnLst>
+                              <p:par>
+                                <p:cTn id="13" presetID="1" presetClass="entr" presetSubtype="0" fill="hold" grpId="0" nodeType="clickEffect">
+                                  <p:stCondLst>
+                                    <p:cond delay="0"/>
+                                  </p:stCondLst>
+                                  <p:childTnLst>
+                                    <p:set>
+                                      <p:cBhvr>
+                                        <p:cTn id="14" dur="1" fill="hold">
+                                          <p:stCondLst>
+                                            <p:cond delay="0"/>
+                                          </p:stCondLst>
+                                        </p:cTn>
+                                        <p:tgtEl>
+                                          <p:spTgt spid="30"/>
+                                        </p:tgtEl>
+                                        <p:attrNameLst>
+                                          <p:attrName>style.visibility</p:attrName>
+                                        </p:attrNameLst>
+                                      </p:cBhvr>
+                                      <p:to>
+                                        <p:strVal val="visible"/>
+                                      </p:to>
+                                    </p:set>
+                                  </p:childTnLst>
+                                </p:cTn>
+                              </p:par>
+                              <p:par>
+                                <p:cTn id="15" presetID="1" presetClass="entr" presetSubtype="0" fill="hold" grpId="0" nodeType="withEffect">
+                                  <p:stCondLst>
+                                    <p:cond delay="0"/>
+                                  </p:stCondLst>
+                                  <p:childTnLst>
+                                    <p:set>
+                                      <p:cBhvr>
+                                        <p:cTn id="16" dur="1" fill="hold">
+                                          <p:stCondLst>
+                                            <p:cond delay="0"/>
+                                          </p:stCondLst>
+                                        </p:cTn>
+                                        <p:tgtEl>
+                                          <p:spTgt spid="34"/>
+                                        </p:tgtEl>
+                                        <p:attrNameLst>
+                                          <p:attrName>style.visibility</p:attrName>
+                                        </p:attrNameLst>
+                                      </p:cBhvr>
+                                      <p:to>
+                                        <p:strVal val="visible"/>
+                                      </p:to>
+                                    </p:set>
+                                  </p:childTnLst>
+                                </p:cTn>
+                              </p:par>
+                              <p:par>
+                                <p:cTn id="17" presetID="1" presetClass="entr" presetSubtype="0" fill="hold" grpId="0" nodeType="withEffect">
+                                  <p:stCondLst>
+                                    <p:cond delay="0"/>
+                                  </p:stCondLst>
+                                  <p:childTnLst>
+                                    <p:set>
+                                      <p:cBhvr>
+                                        <p:cTn id="18" dur="1" fill="hold">
+                                          <p:stCondLst>
+                                            <p:cond delay="0"/>
+                                          </p:stCondLst>
+                                        </p:cTn>
+                                        <p:tgtEl>
+                                          <p:spTgt spid="29"/>
+                                        </p:tgtEl>
+                                        <p:attrNameLst>
+                                          <p:attrName>style.visibility</p:attrName>
+                                        </p:attrNameLst>
+                                      </p:cBhvr>
+                                      <p:to>
+                                        <p:strVal val="visible"/>
+                                      </p:to>
+                                    </p:set>
+                                  </p:childTnLst>
+                                </p:cTn>
+                              </p:par>
+                            </p:childTnLst>
+                          </p:cTn>
+                        </p:par>
+                      </p:childTnLst>
+                    </p:cTn>
+                  </p:par>
+                  <p:par>
+                    <p:cTn id="19" fill="hold">
+                      <p:stCondLst>
+                        <p:cond delay="indefinite"/>
+                      </p:stCondLst>
+                      <p:childTnLst>
+                        <p:par>
+                          <p:cTn id="20" fill="hold">
+                            <p:stCondLst>
+                              <p:cond delay="0"/>
+                            </p:stCondLst>
+                            <p:childTnLst>
+                              <p:par>
+                                <p:cTn id="21" presetID="1" presetClass="entr" presetSubtype="0" fill="hold" grpId="0" nodeType="clickEffect">
+                                  <p:stCondLst>
+                                    <p:cond delay="0"/>
+                                  </p:stCondLst>
+                                  <p:childTnLst>
+                                    <p:set>
+                                      <p:cBhvr>
+                                        <p:cTn id="22" dur="1" fill="hold">
+                                          <p:stCondLst>
+                                            <p:cond delay="0"/>
+                                          </p:stCondLst>
+                                        </p:cTn>
+                                        <p:tgtEl>
+                                          <p:spTgt spid="23"/>
+                                        </p:tgtEl>
+                                        <p:attrNameLst>
+                                          <p:attrName>style.visibility</p:attrName>
+                                        </p:attrNameLst>
+                                      </p:cBhvr>
+                                      <p:to>
+                                        <p:strVal val="visible"/>
+                                      </p:to>
+                                    </p:set>
+                                  </p:childTnLst>
+                                </p:cTn>
+                              </p:par>
+                            </p:childTnLst>
+                          </p:cTn>
+                        </p:par>
+                      </p:childTnLst>
+                    </p:cTn>
+                  </p:par>
+                  <p:par>
+                    <p:cTn id="23" fill="hold">
+                      <p:stCondLst>
+                        <p:cond delay="indefinite"/>
+                      </p:stCondLst>
+                      <p:childTnLst>
+                        <p:par>
+                          <p:cTn id="24" fill="hold">
+                            <p:stCondLst>
+                              <p:cond delay="0"/>
+                            </p:stCondLst>
+                            <p:childTnLst>
+                              <p:par>
+                                <p:cTn id="25" presetID="1" presetClass="entr" presetSubtype="0" fill="hold" grpId="0" nodeType="clickEffect">
+                                  <p:stCondLst>
+                                    <p:cond delay="0"/>
+                                  </p:stCondLst>
+                                  <p:childTnLst>
+                                    <p:set>
+                                      <p:cBhvr>
+                                        <p:cTn id="26" dur="1" fill="hold">
+                                          <p:stCondLst>
+                                            <p:cond delay="0"/>
+                                          </p:stCondLst>
+                                        </p:cTn>
+                                        <p:tgtEl>
+                                          <p:spTgt spid="38"/>
+                                        </p:tgtEl>
+                                        <p:attrNameLst>
+                                          <p:attrName>style.visibility</p:attrName>
+                                        </p:attrNameLst>
+                                      </p:cBhvr>
+                                      <p:to>
+                                        <p:strVal val="visible"/>
+                                      </p:to>
+                                    </p:set>
+                                  </p:childTnLst>
+                                </p:cTn>
+                              </p:par>
+                              <p:par>
+                                <p:cTn id="27" presetID="1" presetClass="entr" presetSubtype="0" fill="hold" grpId="0" nodeType="withEffect">
+                                  <p:stCondLst>
+                                    <p:cond delay="0"/>
+                                  </p:stCondLst>
+                                  <p:childTnLst>
+                                    <p:set>
+                                      <p:cBhvr>
+                                        <p:cTn id="28" dur="1" fill="hold">
+                                          <p:stCondLst>
+                                            <p:cond delay="0"/>
+                                          </p:stCondLst>
+                                        </p:cTn>
+                                        <p:tgtEl>
+                                          <p:spTgt spid="39"/>
+                                        </p:tgtEl>
+                                        <p:attrNameLst>
+                                          <p:attrName>style.visibility</p:attrName>
+                                        </p:attrNameLst>
+                                      </p:cBhvr>
+                                      <p:to>
+                                        <p:strVal val="visible"/>
+                                      </p:to>
+                                    </p:set>
+                                  </p:childTnLst>
+                                </p:cTn>
+                              </p:par>
+                              <p:par>
+                                <p:cTn id="29" presetID="1" presetClass="entr" presetSubtype="0" fill="hold" grpId="0" nodeType="withEffect">
+                                  <p:stCondLst>
+                                    <p:cond delay="0"/>
+                                  </p:stCondLst>
+                                  <p:childTnLst>
+                                    <p:set>
+                                      <p:cBhvr>
+                                        <p:cTn id="30" dur="1" fill="hold">
+                                          <p:stCondLst>
+                                            <p:cond delay="0"/>
+                                          </p:stCondLst>
+                                        </p:cTn>
+                                        <p:tgtEl>
+                                          <p:spTgt spid="33"/>
+                                        </p:tgtEl>
+                                        <p:attrNameLst>
+                                          <p:attrName>style.visibility</p:attrName>
+                                        </p:attrNameLst>
+                                      </p:cBhvr>
+                                      <p:to>
+                                        <p:strVal val="visible"/>
+                                      </p:to>
+                                    </p:set>
+                                  </p:childTnLst>
+                                </p:cTn>
+                              </p:par>
+                            </p:childTnLst>
+                          </p:cTn>
+                        </p:par>
+                      </p:childTnLst>
+                    </p:cTn>
+                  </p:par>
+                  <p:par>
+                    <p:cTn id="31" fill="hold">
+                      <p:stCondLst>
+                        <p:cond delay="indefinite"/>
+                      </p:stCondLst>
+                      <p:childTnLst>
+                        <p:par>
+                          <p:cTn id="32" fill="hold">
+                            <p:stCondLst>
+                              <p:cond delay="0"/>
+                            </p:stCondLst>
+                            <p:childTnLst>
+                              <p:par>
+                                <p:cTn id="33" presetID="1" presetClass="entr" presetSubtype="0" fill="hold" grpId="0" nodeType="clickEffect">
+                                  <p:stCondLst>
+                                    <p:cond delay="0"/>
+                                  </p:stCondLst>
+                                  <p:childTnLst>
+                                    <p:set>
+                                      <p:cBhvr>
+                                        <p:cTn id="34" dur="1" fill="hold">
+                                          <p:stCondLst>
+                                            <p:cond delay="0"/>
+                                          </p:stCondLst>
+                                        </p:cTn>
+                                        <p:tgtEl>
+                                          <p:spTgt spid="24"/>
+                                        </p:tgtEl>
+                                        <p:attrNameLst>
+                                          <p:attrName>style.visibility</p:attrName>
+                                        </p:attrNameLst>
+                                      </p:cBhvr>
+                                      <p:to>
+                                        <p:strVal val="visible"/>
+                                      </p:to>
+                                    </p:set>
+                                  </p:childTnLst>
+                                </p:cTn>
+                              </p:par>
+                            </p:childTnLst>
+                          </p:cTn>
+                        </p:par>
+                      </p:childTnLst>
+                    </p:cTn>
+                  </p:par>
+                  <p:par>
+                    <p:cTn id="35" fill="hold">
+                      <p:stCondLst>
+                        <p:cond delay="indefinite"/>
+                      </p:stCondLst>
+                      <p:childTnLst>
+                        <p:par>
+                          <p:cTn id="36" fill="hold">
+                            <p:stCondLst>
+                              <p:cond delay="0"/>
+                            </p:stCondLst>
+                            <p:childTnLst>
+                              <p:par>
+                                <p:cTn id="37" presetID="1" presetClass="entr" presetSubtype="0" fill="hold" grpId="0" nodeType="clickEffect">
+                                  <p:stCondLst>
+                                    <p:cond delay="0"/>
+                                  </p:stCondLst>
+                                  <p:childTnLst>
+                                    <p:set>
+                                      <p:cBhvr>
+                                        <p:cTn id="38" dur="1" fill="hold">
+                                          <p:stCondLst>
+                                            <p:cond delay="0"/>
+                                          </p:stCondLst>
+                                        </p:cTn>
+                                        <p:tgtEl>
+                                          <p:spTgt spid="28"/>
+                                        </p:tgtEl>
+                                        <p:attrNameLst>
+                                          <p:attrName>style.visibility</p:attrName>
+                                        </p:attrNameLst>
+                                      </p:cBhvr>
+                                      <p:to>
+                                        <p:strVal val="visible"/>
+                                      </p:to>
+                                    </p:set>
+                                  </p:childTnLst>
+                                </p:cTn>
+                              </p:par>
+                            </p:childTnLst>
+                          </p:cTn>
+                        </p:par>
+                      </p:childTnLst>
+                    </p:cTn>
+                  </p:par>
+                  <p:par>
+                    <p:cTn id="39" fill="hold">
+                      <p:stCondLst>
+                        <p:cond delay="indefinite"/>
+                      </p:stCondLst>
+                      <p:childTnLst>
+                        <p:par>
+                          <p:cTn id="40" fill="hold">
+                            <p:stCondLst>
+                              <p:cond delay="0"/>
+                            </p:stCondLst>
+                            <p:childTnLst>
+                              <p:par>
+                                <p:cTn id="41" presetID="1" presetClass="entr" presetSubtype="0" fill="hold" grpId="0" nodeType="clickEffect">
+                                  <p:stCondLst>
+                                    <p:cond delay="0"/>
+                                  </p:stCondLst>
+                                  <p:childTnLst>
+                                    <p:set>
+                                      <p:cBhvr>
+                                        <p:cTn id="42" dur="1" fill="hold">
+                                          <p:stCondLst>
+                                            <p:cond delay="0"/>
+                                          </p:stCondLst>
+                                        </p:cTn>
+                                        <p:tgtEl>
+                                          <p:spTgt spid="37"/>
+                                        </p:tgtEl>
+                                        <p:attrNameLst>
+                                          <p:attrName>style.visibility</p:attrName>
+                                        </p:attrNameLst>
+                                      </p:cBhvr>
+                                      <p:to>
+                                        <p:strVal val="visible"/>
+                                      </p:to>
+                                    </p:set>
+                                  </p:childTnLst>
+                                </p:cTn>
+                              </p:par>
+                              <p:par>
+                                <p:cTn id="43" presetID="1" presetClass="entr" presetSubtype="0" fill="hold" grpId="0" nodeType="withEffect">
+                                  <p:stCondLst>
+                                    <p:cond delay="0"/>
+                                  </p:stCondLst>
+                                  <p:childTnLst>
+                                    <p:set>
+                                      <p:cBhvr>
+                                        <p:cTn id="44" dur="1" fill="hold">
+                                          <p:stCondLst>
+                                            <p:cond delay="0"/>
+                                          </p:stCondLst>
+                                        </p:cTn>
+                                        <p:tgtEl>
+                                          <p:spTgt spid="36"/>
+                                        </p:tgtEl>
+                                        <p:attrNameLst>
+                                          <p:attrName>style.visibility</p:attrName>
+                                        </p:attrNameLst>
+                                      </p:cBhvr>
+                                      <p:to>
+                                        <p:strVal val="visible"/>
+                                      </p:to>
+                                    </p:set>
+                                  </p:childTnLst>
+                                </p:cTn>
+                              </p:par>
+                              <p:par>
+                                <p:cTn id="45" presetID="1" presetClass="entr" presetSubtype="0" fill="hold" grpId="0" nodeType="withEffect">
+                                  <p:stCondLst>
+                                    <p:cond delay="0"/>
+                                  </p:stCondLst>
+                                  <p:childTnLst>
+                                    <p:set>
+                                      <p:cBhvr>
+                                        <p:cTn id="46" dur="1" fill="hold">
+                                          <p:stCondLst>
+                                            <p:cond delay="0"/>
+                                          </p:stCondLst>
+                                        </p:cTn>
+                                        <p:tgtEl>
+                                          <p:spTgt spid="35"/>
+                                        </p:tgtEl>
+                                        <p:attrNameLst>
+                                          <p:attrName>style.visibility</p:attrName>
+                                        </p:attrNameLst>
+                                      </p:cBhvr>
+                                      <p:to>
+                                        <p:strVal val="visible"/>
+                                      </p:to>
+                                    </p:set>
+                                  </p:childTnLst>
+                                </p:cTn>
+                              </p:par>
+                            </p:childTnLst>
+                          </p:cTn>
+                        </p:par>
+                      </p:childTnLst>
+                    </p:cTn>
+                  </p:par>
+                  <p:par>
+                    <p:cTn id="47" fill="hold">
+                      <p:stCondLst>
+                        <p:cond delay="indefinite"/>
+                      </p:stCondLst>
+                      <p:childTnLst>
+                        <p:par>
+                          <p:cTn id="48" fill="hold">
+                            <p:stCondLst>
+                              <p:cond delay="0"/>
+                            </p:stCondLst>
+                            <p:childTnLst>
+                              <p:par>
+                                <p:cTn id="49" presetID="1" presetClass="entr" presetSubtype="0" fill="hold" grpId="0" nodeType="clickEffect">
+                                  <p:stCondLst>
+                                    <p:cond delay="0"/>
+                                  </p:stCondLst>
+                                  <p:childTnLst>
+                                    <p:set>
+                                      <p:cBhvr>
+                                        <p:cTn id="50" dur="1" fill="hold">
+                                          <p:stCondLst>
+                                            <p:cond delay="0"/>
+                                          </p:stCondLst>
+                                        </p:cTn>
+                                        <p:tgtEl>
+                                          <p:spTgt spid="25"/>
+                                        </p:tgtEl>
+                                        <p:attrNameLst>
+                                          <p:attrName>style.visibility</p:attrName>
+                                        </p:attrNameLst>
+                                      </p:cBhvr>
+                                      <p:to>
+                                        <p:strVal val="visible"/>
+                                      </p:to>
+                                    </p:set>
+                                  </p:childTnLst>
+                                </p:cTn>
+                              </p:par>
+                            </p:childTnLst>
+                          </p:cTn>
+                        </p:par>
+                      </p:childTnLst>
+                    </p:cTn>
+                  </p:par>
+                  <p:par>
+                    <p:cTn id="51" fill="hold">
+                      <p:stCondLst>
+                        <p:cond delay="indefinite"/>
+                      </p:stCondLst>
+                      <p:childTnLst>
+                        <p:par>
+                          <p:cTn id="52" fill="hold">
+                            <p:stCondLst>
+                              <p:cond delay="0"/>
+                            </p:stCondLst>
+                            <p:childTnLst>
+                              <p:par>
+                                <p:cTn id="53" presetID="1" presetClass="entr" presetSubtype="0" fill="hold" grpId="0" nodeType="clickEffect">
+                                  <p:stCondLst>
+                                    <p:cond delay="0"/>
+                                  </p:stCondLst>
+                                  <p:childTnLst>
+                                    <p:set>
+                                      <p:cBhvr>
+                                        <p:cTn id="54" dur="1" fill="hold">
+                                          <p:stCondLst>
+                                            <p:cond delay="0"/>
+                                          </p:stCondLst>
+                                        </p:cTn>
+                                        <p:tgtEl>
+                                          <p:spTgt spid="55"/>
+                                        </p:tgtEl>
+                                        <p:attrNameLst>
+                                          <p:attrName>style.visibility</p:attrName>
+                                        </p:attrNameLst>
+                                      </p:cBhvr>
+                                      <p:to>
+                                        <p:strVal val="visible"/>
+                                      </p:to>
+                                    </p:set>
+                                  </p:childTnLst>
+                                </p:cTn>
+                              </p:par>
+                              <p:par>
+                                <p:cTn id="55" presetID="1" presetClass="entr" presetSubtype="0" fill="hold" grpId="0" nodeType="withEffect">
+                                  <p:stCondLst>
+                                    <p:cond delay="0"/>
+                                  </p:stCondLst>
+                                  <p:childTnLst>
+                                    <p:set>
+                                      <p:cBhvr>
+                                        <p:cTn id="56" dur="1" fill="hold">
+                                          <p:stCondLst>
+                                            <p:cond delay="0"/>
+                                          </p:stCondLst>
+                                        </p:cTn>
+                                        <p:tgtEl>
+                                          <p:spTgt spid="52"/>
+                                        </p:tgtEl>
+                                        <p:attrNameLst>
+                                          <p:attrName>style.visibility</p:attrName>
+                                        </p:attrNameLst>
+                                      </p:cBhvr>
+                                      <p:to>
+                                        <p:strVal val="visible"/>
+                                      </p:to>
+                                    </p:set>
+                                  </p:childTnLst>
+                                </p:cTn>
+                              </p:par>
+                              <p:par>
+                                <p:cTn id="57" presetID="1" presetClass="entr" presetSubtype="0" fill="hold" grpId="0" nodeType="withEffect">
+                                  <p:stCondLst>
+                                    <p:cond delay="0"/>
+                                  </p:stCondLst>
+                                  <p:childTnLst>
+                                    <p:set>
+                                      <p:cBhvr>
+                                        <p:cTn id="58" dur="1" fill="hold">
+                                          <p:stCondLst>
+                                            <p:cond delay="0"/>
+                                          </p:stCondLst>
+                                        </p:cTn>
+                                        <p:tgtEl>
+                                          <p:spTgt spid="45"/>
+                                        </p:tgtEl>
+                                        <p:attrNameLst>
+                                          <p:attrName>style.visibility</p:attrName>
+                                        </p:attrNameLst>
+                                      </p:cBhvr>
+                                      <p:to>
+                                        <p:strVal val="visible"/>
+                                      </p:to>
+                                    </p:set>
+                                  </p:childTnLst>
+                                </p:cTn>
+                              </p:par>
+                            </p:childTnLst>
+                          </p:cTn>
+                        </p:par>
+                      </p:childTnLst>
+                    </p:cTn>
+                  </p:par>
+                  <p:par>
+                    <p:cTn id="59" fill="hold">
+                      <p:stCondLst>
+                        <p:cond delay="indefinite"/>
+                      </p:stCondLst>
+                      <p:childTnLst>
+                        <p:par>
+                          <p:cTn id="60" fill="hold">
+                            <p:stCondLst>
+                              <p:cond delay="0"/>
+                            </p:stCondLst>
+                            <p:childTnLst>
+                              <p:par>
+                                <p:cTn id="61" presetID="1" presetClass="entr" presetSubtype="0" fill="hold" grpId="0" nodeType="clickEffect">
+                                  <p:stCondLst>
+                                    <p:cond delay="0"/>
+                                  </p:stCondLst>
+                                  <p:childTnLst>
+                                    <p:set>
+                                      <p:cBhvr>
+                                        <p:cTn id="62" dur="1" fill="hold">
+                                          <p:stCondLst>
+                                            <p:cond delay="0"/>
+                                          </p:stCondLst>
+                                        </p:cTn>
+                                        <p:tgtEl>
+                                          <p:spTgt spid="26"/>
+                                        </p:tgtEl>
+                                        <p:attrNameLst>
+                                          <p:attrName>style.visibility</p:attrName>
+                                        </p:attrNameLst>
+                                      </p:cBhvr>
+                                      <p:to>
+                                        <p:strVal val="visible"/>
+                                      </p:to>
+                                    </p:set>
+                                  </p:childTnLst>
+                                </p:cTn>
+                              </p:par>
+                            </p:childTnLst>
+                          </p:cTn>
+                        </p:par>
+                      </p:childTnLst>
+                    </p:cTn>
+                  </p:par>
+                  <p:par>
+                    <p:cTn id="63" fill="hold">
+                      <p:stCondLst>
+                        <p:cond delay="indefinite"/>
+                      </p:stCondLst>
+                      <p:childTnLst>
+                        <p:par>
+                          <p:cTn id="64" fill="hold">
+                            <p:stCondLst>
+                              <p:cond delay="0"/>
+                            </p:stCondLst>
+                            <p:childTnLst>
+                              <p:par>
+                                <p:cTn id="65" presetID="1" presetClass="entr" presetSubtype="0" fill="hold" grpId="0" nodeType="clickEffect">
+                                  <p:stCondLst>
+                                    <p:cond delay="0"/>
+                                  </p:stCondLst>
+                                  <p:childTnLst>
+                                    <p:set>
+                                      <p:cBhvr>
+                                        <p:cTn id="66" dur="1" fill="hold">
+                                          <p:stCondLst>
+                                            <p:cond delay="0"/>
+                                          </p:stCondLst>
+                                        </p:cTn>
+                                        <p:tgtEl>
+                                          <p:spTgt spid="60"/>
+                                        </p:tgtEl>
+                                        <p:attrNameLst>
+                                          <p:attrName>style.visibility</p:attrName>
+                                        </p:attrNameLst>
+                                      </p:cBhvr>
+                                      <p:to>
+                                        <p:strVal val="visible"/>
+                                      </p:to>
+                                    </p:set>
+                                  </p:childTnLst>
+                                </p:cTn>
+                              </p:par>
+                              <p:par>
+                                <p:cTn id="67" presetID="1" presetClass="entr" presetSubtype="0" fill="hold" grpId="0" nodeType="withEffect">
+                                  <p:stCondLst>
+                                    <p:cond delay="0"/>
+                                  </p:stCondLst>
+                                  <p:childTnLst>
+                                    <p:set>
+                                      <p:cBhvr>
+                                        <p:cTn id="68" dur="1" fill="hold">
+                                          <p:stCondLst>
+                                            <p:cond delay="0"/>
+                                          </p:stCondLst>
+                                        </p:cTn>
+                                        <p:tgtEl>
+                                          <p:spTgt spid="59"/>
+                                        </p:tgtEl>
+                                        <p:attrNameLst>
+                                          <p:attrName>style.visibility</p:attrName>
+                                        </p:attrNameLst>
+                                      </p:cBhvr>
+                                      <p:to>
+                                        <p:strVal val="visible"/>
+                                      </p:to>
+                                    </p:set>
+                                  </p:childTnLst>
+                                </p:cTn>
+                              </p:par>
+                              <p:par>
+                                <p:cTn id="69" presetID="1" presetClass="entr" presetSubtype="0" fill="hold" grpId="0" nodeType="withEffect">
+                                  <p:stCondLst>
+                                    <p:cond delay="0"/>
+                                  </p:stCondLst>
+                                  <p:childTnLst>
+                                    <p:set>
+                                      <p:cBhvr>
+                                        <p:cTn id="70" dur="1" fill="hold">
+                                          <p:stCondLst>
+                                            <p:cond delay="0"/>
+                                          </p:stCondLst>
+                                        </p:cTn>
+                                        <p:tgtEl>
+                                          <p:spTgt spid="58"/>
+                                        </p:tgtEl>
+                                        <p:attrNameLst>
+                                          <p:attrName>style.visibility</p:attrName>
+                                        </p:attrNameLst>
+                                      </p:cBhvr>
+                                      <p:to>
+                                        <p:strVal val="visible"/>
+                                      </p:to>
+                                    </p:set>
+                                  </p:childTnLst>
+                                </p:cTn>
+                              </p:par>
+                            </p:childTnLst>
+                          </p:cTn>
+                        </p:par>
+                      </p:childTnLst>
+                    </p:cTn>
+                  </p:par>
+                  <p:par>
+                    <p:cTn id="71" fill="hold">
+                      <p:stCondLst>
+                        <p:cond delay="indefinite"/>
+                      </p:stCondLst>
+                      <p:childTnLst>
+                        <p:par>
+                          <p:cTn id="72" fill="hold">
+                            <p:stCondLst>
+                              <p:cond delay="0"/>
+                            </p:stCondLst>
+                            <p:childTnLst>
+                              <p:par>
+                                <p:cTn id="73" presetID="1" presetClass="entr" presetSubtype="0" fill="hold" grpId="0" nodeType="clickEffect">
+                                  <p:stCondLst>
+                                    <p:cond delay="0"/>
+                                  </p:stCondLst>
+                                  <p:childTnLst>
+                                    <p:set>
+                                      <p:cBhvr>
+                                        <p:cTn id="74" dur="1" fill="hold">
+                                          <p:stCondLst>
+                                            <p:cond delay="0"/>
+                                          </p:stCondLst>
+                                        </p:cTn>
+                                        <p:tgtEl>
+                                          <p:spTgt spid="57"/>
+                                        </p:tgtEl>
+                                        <p:attrNameLst>
+                                          <p:attrName>style.visibility</p:attrName>
+                                        </p:attrNameLst>
+                                      </p:cBhvr>
+                                      <p:to>
+                                        <p:strVal val="visible"/>
+                                      </p:to>
+                                    </p:set>
+                                  </p:childTnLst>
+                                </p:cTn>
+                              </p:par>
+                            </p:childTnLst>
+                          </p:cTn>
+                        </p:par>
+                      </p:childTnLst>
+                    </p:cTn>
+                  </p:par>
+                </p:childTnLst>
+              </p:cTn>
+              <p:prevCondLst>
+                <p:cond evt="onPrev" delay="0">
+                  <p:tgtEl>
+                    <p:sldTgt/>
+                  </p:tgtEl>
+                </p:cond>
+              </p:prevCondLst>
+              <p:nextCondLst>
+                <p:cond evt="onNext" delay="0">
+                  <p:tgtEl>
+                    <p:sldTgt/>
+                  </p:tgtEl>
+                </p:cond>
+              </p:nextCondLst>
+            </p:seq>
+          </p:childTnLst>
+        </p:cTn>
+      </p:par>
+    </p:tnLst>
+    <p:bldLst>
+      <p:bldP spid="22" grpId="0" animBg="1"/>
+      <p:bldP spid="23" grpId="0" animBg="1"/>
+      <p:bldP spid="24" grpId="0" animBg="1"/>
+      <p:bldP spid="25" grpId="0" animBg="1"/>
+      <p:bldP spid="26" grpId="0" animBg="1"/>
+      <p:bldP spid="27" grpId="0" animBg="1"/>
+      <p:bldP spid="28" grpId="0" animBg="1"/>
+      <p:bldP spid="29" grpId="0" animBg="1"/>
+      <p:bldP spid="30" grpId="0" animBg="1"/>
+      <p:bldP spid="33" grpId="0" animBg="1"/>
+      <p:bldP spid="34" grpId="0" animBg="1"/>
+      <p:bldP spid="35" grpId="0" animBg="1"/>
+      <p:bldP spid="36" grpId="0" animBg="1"/>
+      <p:bldP spid="37" grpId="0" animBg="1"/>
+      <p:bldP spid="38" grpId="0" animBg="1"/>
+      <p:bldP spid="39" grpId="0" animBg="1"/>
+      <p:bldP spid="45" grpId="0" animBg="1"/>
+      <p:bldP spid="52" grpId="0" animBg="1"/>
+      <p:bldP spid="55" grpId="0" animBg="1"/>
+      <p:bldP spid="57" grpId="0" animBg="1"/>
+      <p:bldP spid="58" grpId="0" animBg="1"/>
+      <p:bldP spid="59" grpId="0" animBg="1"/>
+      <p:bldP spid="60" grpId="0" animBg="1"/>
+    </p:bldLst>
+  </p:timing>
+</p:sld>
+</file>
+
+<file path=ppt/slides/slide5.xml><?xml version="1.0" encoding="utf-8"?>
+<p:sld xmlns:a="http://schemas.openxmlformats.org/drawingml/2006/main" xmlns:r="http://schemas.openxmlformats.org/officeDocument/2006/relationships" xmlns:p="http://schemas.openxmlformats.org/presentationml/2006/main">
+  <p:cSld>
     <p:spTree>
       <p:nvGrpSpPr>
         <p:cNvPr id="1" name=""/>
